--- a/(2021 John) Private Equity Finance/Presentation1.pptx
+++ b/(2021 John) Private Equity Finance/Presentation1.pptx
@@ -22,6 +22,16 @@
     <p:sldId id="271" r:id="rId16"/>
     <p:sldId id="272" r:id="rId17"/>
     <p:sldId id="267" r:id="rId18"/>
+    <p:sldId id="274" r:id="rId19"/>
+    <p:sldId id="275" r:id="rId20"/>
+    <p:sldId id="277" r:id="rId21"/>
+    <p:sldId id="279" r:id="rId22"/>
+    <p:sldId id="278" r:id="rId23"/>
+    <p:sldId id="276" r:id="rId24"/>
+    <p:sldId id="281" r:id="rId25"/>
+    <p:sldId id="280" r:id="rId26"/>
+    <p:sldId id="282" r:id="rId27"/>
+    <p:sldId id="283" r:id="rId28"/>
   </p:sldIdLst>
   <p:sldSz cx="12192000" cy="6858000"/>
   <p:notesSz cx="6858000" cy="9144000"/>
@@ -154,6 +164,16 @@
             <p14:sldId id="271"/>
             <p14:sldId id="272"/>
             <p14:sldId id="267"/>
+            <p14:sldId id="274"/>
+            <p14:sldId id="275"/>
+            <p14:sldId id="277"/>
+            <p14:sldId id="279"/>
+            <p14:sldId id="278"/>
+            <p14:sldId id="276"/>
+            <p14:sldId id="281"/>
+            <p14:sldId id="280"/>
+            <p14:sldId id="282"/>
+            <p14:sldId id="283"/>
           </p14:sldIdLst>
         </p14:section>
       </p14:sectionLst>
@@ -314,7 +334,7 @@
           <a:p>
             <a:fld id="{8D4CD40C-F5B6-4747-AEA7-46806588EA62}" type="datetimeFigureOut">
               <a:rPr lang="en-US" smtClean="0"/>
-              <a:t>2/10/22</a:t>
+              <a:t>2/12/22</a:t>
             </a:fld>
             <a:endParaRPr lang="en-US"/>
           </a:p>
@@ -514,7 +534,7 @@
           <a:p>
             <a:fld id="{8D4CD40C-F5B6-4747-AEA7-46806588EA62}" type="datetimeFigureOut">
               <a:rPr lang="en-US" smtClean="0"/>
-              <a:t>2/10/22</a:t>
+              <a:t>2/12/22</a:t>
             </a:fld>
             <a:endParaRPr lang="en-US"/>
           </a:p>
@@ -724,7 +744,7 @@
           <a:p>
             <a:fld id="{8D4CD40C-F5B6-4747-AEA7-46806588EA62}" type="datetimeFigureOut">
               <a:rPr lang="en-US" smtClean="0"/>
-              <a:t>2/10/22</a:t>
+              <a:t>2/12/22</a:t>
             </a:fld>
             <a:endParaRPr lang="en-US"/>
           </a:p>
@@ -924,7 +944,7 @@
           <a:p>
             <a:fld id="{8D4CD40C-F5B6-4747-AEA7-46806588EA62}" type="datetimeFigureOut">
               <a:rPr lang="en-US" smtClean="0"/>
-              <a:t>2/10/22</a:t>
+              <a:t>2/12/22</a:t>
             </a:fld>
             <a:endParaRPr lang="en-US"/>
           </a:p>
@@ -1200,7 +1220,7 @@
           <a:p>
             <a:fld id="{8D4CD40C-F5B6-4747-AEA7-46806588EA62}" type="datetimeFigureOut">
               <a:rPr lang="en-US" smtClean="0"/>
-              <a:t>2/10/22</a:t>
+              <a:t>2/12/22</a:t>
             </a:fld>
             <a:endParaRPr lang="en-US"/>
           </a:p>
@@ -1468,7 +1488,7 @@
           <a:p>
             <a:fld id="{8D4CD40C-F5B6-4747-AEA7-46806588EA62}" type="datetimeFigureOut">
               <a:rPr lang="en-US" smtClean="0"/>
-              <a:t>2/10/22</a:t>
+              <a:t>2/12/22</a:t>
             </a:fld>
             <a:endParaRPr lang="en-US"/>
           </a:p>
@@ -1883,7 +1903,7 @@
           <a:p>
             <a:fld id="{8D4CD40C-F5B6-4747-AEA7-46806588EA62}" type="datetimeFigureOut">
               <a:rPr lang="en-US" smtClean="0"/>
-              <a:t>2/10/22</a:t>
+              <a:t>2/12/22</a:t>
             </a:fld>
             <a:endParaRPr lang="en-US"/>
           </a:p>
@@ -2025,7 +2045,7 @@
           <a:p>
             <a:fld id="{8D4CD40C-F5B6-4747-AEA7-46806588EA62}" type="datetimeFigureOut">
               <a:rPr lang="en-US" smtClean="0"/>
-              <a:t>2/10/22</a:t>
+              <a:t>2/12/22</a:t>
             </a:fld>
             <a:endParaRPr lang="en-US"/>
           </a:p>
@@ -2138,7 +2158,7 @@
           <a:p>
             <a:fld id="{8D4CD40C-F5B6-4747-AEA7-46806588EA62}" type="datetimeFigureOut">
               <a:rPr lang="en-US" smtClean="0"/>
-              <a:t>2/10/22</a:t>
+              <a:t>2/12/22</a:t>
             </a:fld>
             <a:endParaRPr lang="en-US"/>
           </a:p>
@@ -2451,7 +2471,7 @@
           <a:p>
             <a:fld id="{8D4CD40C-F5B6-4747-AEA7-46806588EA62}" type="datetimeFigureOut">
               <a:rPr lang="en-US" smtClean="0"/>
-              <a:t>2/10/22</a:t>
+              <a:t>2/12/22</a:t>
             </a:fld>
             <a:endParaRPr lang="en-US"/>
           </a:p>
@@ -2740,7 +2760,7 @@
           <a:p>
             <a:fld id="{8D4CD40C-F5B6-4747-AEA7-46806588EA62}" type="datetimeFigureOut">
               <a:rPr lang="en-US" smtClean="0"/>
-              <a:t>2/10/22</a:t>
+              <a:t>2/12/22</a:t>
             </a:fld>
             <a:endParaRPr lang="en-US"/>
           </a:p>
@@ -2983,7 +3003,7 @@
           <a:p>
             <a:fld id="{8D4CD40C-F5B6-4747-AEA7-46806588EA62}" type="datetimeFigureOut">
               <a:rPr lang="en-US" smtClean="0"/>
-              <a:t>2/10/22</a:t>
+              <a:t>2/12/22</a:t>
             </a:fld>
             <a:endParaRPr lang="en-US"/>
           </a:p>
@@ -4388,7 +4408,19 @@
             </a:r>
             <a:r>
               <a:rPr lang="en-US" dirty="0"/>
-              <a:t>– experience, track record, leadership – not necessarily extraordinary</a:t>
+              <a:t>– experience, </a:t>
+            </a:r>
+            <a:r>
+              <a:rPr lang="en-US" dirty="0">
+                <a:solidFill>
+                  <a:schemeClr val="accent1"/>
+                </a:solidFill>
+              </a:rPr>
+              <a:t>track record</a:t>
+            </a:r>
+            <a:r>
+              <a:rPr lang="en-US" dirty="0"/>
+              <a:t>, leadership – not necessarily extraordinary</a:t>
             </a:r>
           </a:p>
           <a:p>
@@ -4508,7 +4540,7 @@
           <a:p>
             <a:r>
               <a:rPr lang="en-US" dirty="0"/>
-              <a:t>A</a:t>
+              <a:t>Investors</a:t>
             </a:r>
           </a:p>
         </p:txBody>
@@ -4536,12 +4568,154 @@
           </a:xfrm>
         </p:spPr>
         <p:txBody>
-          <a:bodyPr/>
-          <a:lstStyle/>
-          <a:p>
-            <a:r>
-              <a:rPr lang="en-US" dirty="0"/>
-              <a:t>A</a:t>
+          <a:bodyPr>
+            <a:normAutofit lnSpcReduction="10000"/>
+          </a:bodyPr>
+          <a:lstStyle/>
+          <a:p>
+            <a:r>
+              <a:rPr lang="en-US" b="1" dirty="0">
+                <a:solidFill>
+                  <a:schemeClr val="accent1"/>
+                </a:solidFill>
+              </a:rPr>
+              <a:t>Incubator</a:t>
+            </a:r>
+            <a:r>
+              <a:rPr lang="en-US" dirty="0"/>
+              <a:t>: an organization provides start-up companies with space and resources</a:t>
+            </a:r>
+          </a:p>
+          <a:p>
+            <a:pPr lvl="1"/>
+            <a:r>
+              <a:rPr lang="en-US" dirty="0"/>
+              <a:t>limited amount of cash (like 20 to 30 K)</a:t>
+            </a:r>
+          </a:p>
+          <a:p>
+            <a:pPr lvl="1"/>
+            <a:r>
+              <a:rPr lang="en-US" dirty="0"/>
+              <a:t>Mentorship, network introductions, help with finding strategic partners and investors</a:t>
+            </a:r>
+          </a:p>
+          <a:p>
+            <a:r>
+              <a:rPr lang="en-US" b="1" dirty="0">
+                <a:solidFill>
+                  <a:schemeClr val="accent1"/>
+                </a:solidFill>
+              </a:rPr>
+              <a:t>Bootstrap</a:t>
+            </a:r>
+            <a:r>
+              <a:rPr lang="en-US" dirty="0"/>
+              <a:t>: funding your startup from your own resources</a:t>
+            </a:r>
+          </a:p>
+          <a:p>
+            <a:r>
+              <a:rPr lang="en-US" b="1" dirty="0">
+                <a:solidFill>
+                  <a:schemeClr val="accent1"/>
+                </a:solidFill>
+              </a:rPr>
+              <a:t>Angel Investor</a:t>
+            </a:r>
+          </a:p>
+          <a:p>
+            <a:pPr lvl="1"/>
+            <a:r>
+              <a:rPr lang="en-US" dirty="0"/>
+              <a:t>Typically </a:t>
+            </a:r>
+            <a:r>
+              <a:rPr lang="en-US" dirty="0">
+                <a:solidFill>
+                  <a:schemeClr val="accent1"/>
+                </a:solidFill>
+              </a:rPr>
+              <a:t>high net worth individuals (HNI)</a:t>
+            </a:r>
+            <a:r>
+              <a:rPr lang="en-US" dirty="0"/>
+              <a:t>; not professional VC / PE</a:t>
+            </a:r>
+          </a:p>
+          <a:p>
+            <a:pPr lvl="1"/>
+            <a:r>
+              <a:rPr lang="en-US" dirty="0"/>
+              <a:t>Use their own money, invest maybe $250 K to $500 K</a:t>
+            </a:r>
+          </a:p>
+          <a:p>
+            <a:pPr lvl="1"/>
+            <a:r>
+              <a:rPr lang="en-US" dirty="0"/>
+              <a:t>Seek for large portion of equity (like 33%), often want to go on the board</a:t>
+            </a:r>
+          </a:p>
+          <a:p>
+            <a:r>
+              <a:rPr lang="en-US" b="1" dirty="0">
+                <a:solidFill>
+                  <a:schemeClr val="accent1"/>
+                </a:solidFill>
+              </a:rPr>
+              <a:t>Venture Capital</a:t>
+            </a:r>
+          </a:p>
+          <a:p>
+            <a:pPr lvl="1"/>
+            <a:r>
+              <a:rPr lang="en-US" dirty="0"/>
+              <a:t>The </a:t>
+            </a:r>
+            <a:r>
+              <a:rPr lang="en-US" dirty="0">
+                <a:solidFill>
+                  <a:schemeClr val="accent1"/>
+                </a:solidFill>
+              </a:rPr>
+              <a:t>first tranche </a:t>
+            </a:r>
+            <a:r>
+              <a:rPr lang="en-US" dirty="0"/>
+              <a:t>of professional investors</a:t>
+            </a:r>
+          </a:p>
+          <a:p>
+            <a:pPr lvl="1"/>
+            <a:r>
+              <a:rPr lang="en-US" dirty="0"/>
+              <a:t>Typically take a minority investment in high-growth early-stage companies</a:t>
+            </a:r>
+          </a:p>
+          <a:p>
+            <a:pPr lvl="2"/>
+            <a:r>
+              <a:rPr lang="en-US" dirty="0"/>
+              <a:t>Usually companies post revenue, but pre-profit/positive cash flow</a:t>
+            </a:r>
+          </a:p>
+          <a:p>
+            <a:pPr lvl="2"/>
+            <a:r>
+              <a:rPr lang="en-US" dirty="0">
+                <a:solidFill>
+                  <a:schemeClr val="accent1"/>
+                </a:solidFill>
+              </a:rPr>
+              <a:t>With negative cash flow – no access to debt – need VC investment</a:t>
+            </a:r>
+          </a:p>
+          <a:p>
+            <a:pPr lvl="1"/>
+            <a:r>
+              <a:rPr lang="en-US" dirty="0"/>
+              <a:t>High risk, high return</a:t>
             </a:r>
           </a:p>
         </p:txBody>
@@ -4604,7 +4778,7 @@
           <a:p>
             <a:r>
               <a:rPr lang="en-US" dirty="0"/>
-              <a:t>A</a:t>
+              <a:t>Investor</a:t>
             </a:r>
           </a:p>
         </p:txBody>
@@ -4636,9 +4810,109 @@
           <a:lstStyle/>
           <a:p>
             <a:r>
-              <a:rPr lang="en-US" dirty="0"/>
-              <a:t>A</a:t>
-            </a:r>
+              <a:rPr lang="en-US" b="1" dirty="0">
+                <a:solidFill>
+                  <a:schemeClr val="accent1"/>
+                </a:solidFill>
+              </a:rPr>
+              <a:t>Growth Equity</a:t>
+            </a:r>
+          </a:p>
+          <a:p>
+            <a:pPr lvl="1"/>
+            <a:r>
+              <a:rPr lang="en-US" dirty="0"/>
+              <a:t>A PE firm makes minority/majority investment in an early-stage company</a:t>
+            </a:r>
+          </a:p>
+          <a:p>
+            <a:pPr lvl="1"/>
+            <a:r>
+              <a:rPr lang="en-US" dirty="0"/>
+              <a:t>Aiming to transform less mature companies into market leaders</a:t>
+            </a:r>
+          </a:p>
+          <a:p>
+            <a:pPr lvl="1"/>
+            <a:r>
+              <a:rPr lang="en-US" dirty="0"/>
+              <a:t>Usually target companies with proven product to be scaled</a:t>
+            </a:r>
+          </a:p>
+          <a:p>
+            <a:r>
+              <a:rPr lang="en-US" b="1" dirty="0">
+                <a:solidFill>
+                  <a:schemeClr val="accent1"/>
+                </a:solidFill>
+              </a:rPr>
+              <a:t>Mezzanine Finance </a:t>
+            </a:r>
+            <a:r>
+              <a:rPr lang="en-US" dirty="0"/>
+              <a:t>– provided by specialist PE funds</a:t>
+            </a:r>
+          </a:p>
+          <a:p>
+            <a:pPr lvl="1"/>
+            <a:r>
+              <a:rPr lang="en-US" dirty="0"/>
+              <a:t>Focus on junior/subordinated debt – ranked below senior debt, above PE funds</a:t>
+            </a:r>
+          </a:p>
+          <a:p>
+            <a:pPr lvl="1"/>
+            <a:r>
+              <a:rPr lang="en-US" dirty="0"/>
+              <a:t>Yield 15% +, often with equity kicker warrants (convert to equity/indeed options)</a:t>
+            </a:r>
+          </a:p>
+          <a:p>
+            <a:pPr lvl="1"/>
+            <a:r>
+              <a:rPr lang="en-US" dirty="0"/>
+              <a:t>Used to fill funding gaps, when senior debt is not being offered to the extent required by the lead PE investor</a:t>
+            </a:r>
+          </a:p>
+          <a:p>
+            <a:r>
+              <a:rPr lang="en-US" b="1" dirty="0">
+                <a:solidFill>
+                  <a:schemeClr val="accent1"/>
+                </a:solidFill>
+              </a:rPr>
+              <a:t>PE firms </a:t>
+            </a:r>
+            <a:r>
+              <a:rPr lang="en-US" dirty="0"/>
+              <a:t>– range of firms focusing on various investment strategies</a:t>
+            </a:r>
+          </a:p>
+          <a:p>
+            <a:pPr lvl="1"/>
+            <a:r>
+              <a:rPr lang="en-US" dirty="0"/>
+              <a:t>Investment size can be from millions to billions</a:t>
+            </a:r>
+          </a:p>
+          <a:p>
+            <a:pPr lvl="1"/>
+            <a:r>
+              <a:rPr lang="en-US" dirty="0"/>
+              <a:t>Core center of the buyout market</a:t>
+            </a:r>
+          </a:p>
+          <a:p>
+            <a:pPr lvl="1"/>
+            <a:endParaRPr lang="en-US" dirty="0"/>
+          </a:p>
+          <a:p>
+            <a:pPr lvl="1"/>
+            <a:endParaRPr lang="en-US" dirty="0"/>
+          </a:p>
+          <a:p>
+            <a:pPr lvl="1"/>
+            <a:endParaRPr lang="en-US" dirty="0"/>
           </a:p>
         </p:txBody>
       </p:sp>
@@ -4700,7 +4974,7 @@
           <a:p>
             <a:r>
               <a:rPr lang="en-US" dirty="0"/>
-              <a:t>A</a:t>
+              <a:t>Investors</a:t>
             </a:r>
           </a:p>
         </p:txBody>
@@ -4728,12 +5002,128 @@
           </a:xfrm>
         </p:spPr>
         <p:txBody>
-          <a:bodyPr/>
-          <a:lstStyle/>
-          <a:p>
-            <a:r>
-              <a:rPr lang="en-US" dirty="0"/>
-              <a:t>A</a:t>
+          <a:bodyPr>
+            <a:normAutofit fontScale="92500" lnSpcReduction="10000"/>
+          </a:bodyPr>
+          <a:lstStyle/>
+          <a:p>
+            <a:r>
+              <a:rPr lang="en-US" b="1" dirty="0">
+                <a:solidFill>
+                  <a:schemeClr val="accent1"/>
+                </a:solidFill>
+              </a:rPr>
+              <a:t>Family Office </a:t>
+            </a:r>
+            <a:r>
+              <a:rPr lang="en-US" dirty="0"/>
+              <a:t>- Investment firm established by a wealthy family</a:t>
+            </a:r>
+          </a:p>
+          <a:p>
+            <a:pPr lvl="1"/>
+            <a:r>
+              <a:rPr lang="en-US" dirty="0"/>
+              <a:t>Manage assets and investments of the family</a:t>
+            </a:r>
+          </a:p>
+          <a:p>
+            <a:pPr lvl="1"/>
+            <a:r>
+              <a:rPr lang="en-US" dirty="0"/>
+              <a:t>Long time horizon - not very focus on realization, but to build up asset portfolios</a:t>
+            </a:r>
+          </a:p>
+          <a:p>
+            <a:r>
+              <a:rPr lang="en-US" b="1" dirty="0">
+                <a:solidFill>
+                  <a:schemeClr val="accent1"/>
+                </a:solidFill>
+              </a:rPr>
+              <a:t>Strategic Investor</a:t>
+            </a:r>
+          </a:p>
+          <a:p>
+            <a:pPr lvl="1"/>
+            <a:r>
+              <a:rPr lang="en-US" dirty="0"/>
+              <a:t>An established company invests in early-stage companies to gain access to new technology / business model</a:t>
+            </a:r>
+          </a:p>
+          <a:p>
+            <a:pPr lvl="1"/>
+            <a:r>
+              <a:rPr lang="en-US" dirty="0"/>
+              <a:t>Often come in in-place-of a VC / a joint venture structure / option or intention to acquire the company</a:t>
+            </a:r>
+          </a:p>
+          <a:p>
+            <a:pPr lvl="1"/>
+            <a:r>
+              <a:rPr lang="en-US" dirty="0"/>
+              <a:t>Give the founders the opportunity to grow the business before they bring it in-house</a:t>
+            </a:r>
+          </a:p>
+          <a:p>
+            <a:r>
+              <a:rPr lang="en-US" b="1" dirty="0">
+                <a:solidFill>
+                  <a:schemeClr val="accent1"/>
+                </a:solidFill>
+              </a:rPr>
+              <a:t>Corporate Venture Capital (CVC)</a:t>
+            </a:r>
+          </a:p>
+          <a:p>
+            <a:pPr lvl="1"/>
+            <a:r>
+              <a:rPr lang="en-US" dirty="0"/>
+              <a:t>Established companies investing, either opportunistically or as part of a formal program, targeted at early-stage business often with innovative technology</a:t>
+            </a:r>
+          </a:p>
+          <a:p>
+            <a:pPr lvl="1"/>
+            <a:r>
+              <a:rPr lang="en-US" dirty="0"/>
+              <a:t>Also a way to prevent competitors to take the technology</a:t>
+            </a:r>
+          </a:p>
+          <a:p>
+            <a:r>
+              <a:rPr lang="en-US" b="1" dirty="0">
+                <a:solidFill>
+                  <a:schemeClr val="accent1"/>
+                </a:solidFill>
+              </a:rPr>
+              <a:t>Crowdfunding</a:t>
+            </a:r>
+            <a:r>
+              <a:rPr lang="en-US" dirty="0"/>
+              <a:t> (</a:t>
+            </a:r>
+            <a:r>
+              <a:rPr lang="en-US" dirty="0" err="1"/>
+              <a:t>kickstarter</a:t>
+            </a:r>
+            <a:r>
+              <a:rPr lang="en-US" dirty="0"/>
+              <a:t>, </a:t>
+            </a:r>
+            <a:r>
+              <a:rPr lang="en-US" dirty="0" err="1"/>
+              <a:t>indiegogo</a:t>
+            </a:r>
+            <a:r>
+              <a:rPr lang="en-US" dirty="0"/>
+              <a:t>)</a:t>
+            </a:r>
+          </a:p>
+          <a:p>
+            <a:pPr lvl="1"/>
+            <a:r>
+              <a:rPr lang="en-US" dirty="0"/>
+              <a:t>An effective way since the last 5-10 years, for startup companies to raise small amounts from large number of non-professional investors, on very informal terms</a:t>
             </a:r>
           </a:p>
         </p:txBody>
@@ -4742,6 +5132,345 @@
     <p:extLst>
       <p:ext uri="{BB962C8B-B14F-4D97-AF65-F5344CB8AC3E}">
         <p14:creationId xmlns:p14="http://schemas.microsoft.com/office/powerpoint/2010/main" val="2401911926"/>
+      </p:ext>
+    </p:extLst>
+  </p:cSld>
+  <p:clrMapOvr>
+    <a:masterClrMapping/>
+  </p:clrMapOvr>
+</p:sld>
+</file>
+
+<file path=ppt/slides/slide18.xml><?xml version="1.0" encoding="utf-8"?>
+<p:sld xmlns:a="http://schemas.openxmlformats.org/drawingml/2006/main" xmlns:r="http://schemas.openxmlformats.org/officeDocument/2006/relationships" xmlns:p="http://schemas.openxmlformats.org/presentationml/2006/main">
+  <p:cSld>
+    <p:spTree>
+      <p:nvGrpSpPr>
+        <p:cNvPr id="1" name=""/>
+        <p:cNvGrpSpPr/>
+        <p:nvPr/>
+      </p:nvGrpSpPr>
+      <p:grpSpPr>
+        <a:xfrm>
+          <a:off x="0" y="0"/>
+          <a:ext cx="0" cy="0"/>
+          <a:chOff x="0" y="0"/>
+          <a:chExt cx="0" cy="0"/>
+        </a:xfrm>
+      </p:grpSpPr>
+      <p:sp>
+        <p:nvSpPr>
+          <p:cNvPr id="2" name="Title 1">
+            <a:extLst>
+              <a:ext uri="{FF2B5EF4-FFF2-40B4-BE49-F238E27FC236}">
+                <a16:creationId xmlns:a16="http://schemas.microsoft.com/office/drawing/2014/main" id="{541B14D1-F91B-5E42-9317-E38B488AE7BC}"/>
+              </a:ext>
+            </a:extLst>
+          </p:cNvPr>
+          <p:cNvSpPr>
+            <a:spLocks noGrp="1"/>
+          </p:cNvSpPr>
+          <p:nvPr>
+            <p:ph type="title"/>
+          </p:nvPr>
+        </p:nvSpPr>
+        <p:spPr>
+          <a:xfrm>
+            <a:off x="97536" y="97537"/>
+            <a:ext cx="11131296" cy="853439"/>
+          </a:xfrm>
+        </p:spPr>
+        <p:txBody>
+          <a:bodyPr/>
+          <a:lstStyle/>
+          <a:p>
+            <a:r>
+              <a:rPr lang="en-US" dirty="0"/>
+              <a:t>Buyout Terms</a:t>
+            </a:r>
+          </a:p>
+        </p:txBody>
+      </p:sp>
+      <p:sp>
+        <p:nvSpPr>
+          <p:cNvPr id="3" name="Content Placeholder 2">
+            <a:extLst>
+              <a:ext uri="{FF2B5EF4-FFF2-40B4-BE49-F238E27FC236}">
+                <a16:creationId xmlns:a16="http://schemas.microsoft.com/office/drawing/2014/main" id="{BBA4BE2B-AFB8-2D46-8E51-565F1BA1F51C}"/>
+              </a:ext>
+            </a:extLst>
+          </p:cNvPr>
+          <p:cNvSpPr>
+            <a:spLocks noGrp="1"/>
+          </p:cNvSpPr>
+          <p:nvPr>
+            <p:ph idx="1"/>
+          </p:nvPr>
+        </p:nvSpPr>
+        <p:spPr>
+          <a:xfrm>
+            <a:off x="97536" y="950976"/>
+            <a:ext cx="11716512" cy="5809487"/>
+          </a:xfrm>
+        </p:spPr>
+        <p:txBody>
+          <a:bodyPr/>
+          <a:lstStyle/>
+          <a:p>
+            <a:r>
+              <a:rPr lang="en-US" b="1" dirty="0">
+                <a:solidFill>
+                  <a:schemeClr val="accent1"/>
+                </a:solidFill>
+              </a:rPr>
+              <a:t>Leveraged Buyouts (LBO) </a:t>
+            </a:r>
+            <a:r>
+              <a:rPr lang="en-US" dirty="0"/>
+              <a:t>– this terms applies to a variety of deal types</a:t>
+            </a:r>
+          </a:p>
+          <a:p>
+            <a:pPr lvl="1"/>
+            <a:r>
+              <a:rPr lang="en-US" dirty="0"/>
+              <a:t>Most generic – LBO is a deal predominantly funded by debt (leverage)</a:t>
+            </a:r>
+          </a:p>
+          <a:p>
+            <a:pPr lvl="1"/>
+            <a:r>
+              <a:rPr lang="en-US" dirty="0"/>
+              <a:t>Typically more mature and established business</a:t>
+            </a:r>
+          </a:p>
+          <a:p>
+            <a:pPr lvl="1"/>
+            <a:r>
+              <a:rPr lang="en-US" dirty="0"/>
+              <a:t>Involve the controlling acquisition and majority acquisition by a PE / buyout firm</a:t>
+            </a:r>
+          </a:p>
+          <a:p>
+            <a:r>
+              <a:rPr lang="en-US" b="1" dirty="0">
+                <a:solidFill>
+                  <a:schemeClr val="accent1"/>
+                </a:solidFill>
+              </a:rPr>
+              <a:t>Corporate Carve Out</a:t>
+            </a:r>
+          </a:p>
+          <a:p>
+            <a:pPr lvl="1"/>
+            <a:r>
+              <a:rPr lang="en-US" dirty="0"/>
+              <a:t>A company, often public, sells a non-core division/assets</a:t>
+            </a:r>
+          </a:p>
+          <a:p>
+            <a:r>
+              <a:rPr lang="en-US" b="1" dirty="0">
+                <a:solidFill>
+                  <a:schemeClr val="accent1"/>
+                </a:solidFill>
+              </a:rPr>
+              <a:t>Management Buyout (MBO)</a:t>
+            </a:r>
+          </a:p>
+          <a:p>
+            <a:pPr lvl="1"/>
+            <a:r>
+              <a:rPr lang="en-US" dirty="0"/>
+              <a:t>Transaction led by the existing management to buy the parent company with the help of a PE firm</a:t>
+            </a:r>
+          </a:p>
+          <a:p>
+            <a:r>
+              <a:rPr lang="en-US" b="1" dirty="0">
+                <a:solidFill>
+                  <a:schemeClr val="accent1"/>
+                </a:solidFill>
+              </a:rPr>
+              <a:t>Management Buy-In (MBI)</a:t>
+            </a:r>
+          </a:p>
+          <a:p>
+            <a:pPr lvl="1"/>
+            <a:r>
+              <a:rPr lang="en-US" dirty="0"/>
+              <a:t>Transaction led by an external management to come-in and buyout the business</a:t>
+            </a:r>
+          </a:p>
+          <a:p>
+            <a:pPr lvl="1"/>
+            <a:r>
+              <a:rPr lang="en-US" dirty="0"/>
+              <a:t>High risk – new management will not have intimate knowledge of the business before the deal closes.</a:t>
+            </a:r>
+          </a:p>
+        </p:txBody>
+      </p:sp>
+    </p:spTree>
+    <p:extLst>
+      <p:ext uri="{BB962C8B-B14F-4D97-AF65-F5344CB8AC3E}">
+        <p14:creationId xmlns:p14="http://schemas.microsoft.com/office/powerpoint/2010/main" val="3884799309"/>
+      </p:ext>
+    </p:extLst>
+  </p:cSld>
+  <p:clrMapOvr>
+    <a:masterClrMapping/>
+  </p:clrMapOvr>
+</p:sld>
+</file>
+
+<file path=ppt/slides/slide19.xml><?xml version="1.0" encoding="utf-8"?>
+<p:sld xmlns:a="http://schemas.openxmlformats.org/drawingml/2006/main" xmlns:r="http://schemas.openxmlformats.org/officeDocument/2006/relationships" xmlns:p="http://schemas.openxmlformats.org/presentationml/2006/main">
+  <p:cSld>
+    <p:spTree>
+      <p:nvGrpSpPr>
+        <p:cNvPr id="1" name=""/>
+        <p:cNvGrpSpPr/>
+        <p:nvPr/>
+      </p:nvGrpSpPr>
+      <p:grpSpPr>
+        <a:xfrm>
+          <a:off x="0" y="0"/>
+          <a:ext cx="0" cy="0"/>
+          <a:chOff x="0" y="0"/>
+          <a:chExt cx="0" cy="0"/>
+        </a:xfrm>
+      </p:grpSpPr>
+      <p:sp>
+        <p:nvSpPr>
+          <p:cNvPr id="2" name="Title 1">
+            <a:extLst>
+              <a:ext uri="{FF2B5EF4-FFF2-40B4-BE49-F238E27FC236}">
+                <a16:creationId xmlns:a16="http://schemas.microsoft.com/office/drawing/2014/main" id="{541B14D1-F91B-5E42-9317-E38B488AE7BC}"/>
+              </a:ext>
+            </a:extLst>
+          </p:cNvPr>
+          <p:cNvSpPr>
+            <a:spLocks noGrp="1"/>
+          </p:cNvSpPr>
+          <p:nvPr>
+            <p:ph type="title"/>
+          </p:nvPr>
+        </p:nvSpPr>
+        <p:spPr>
+          <a:xfrm>
+            <a:off x="97536" y="97537"/>
+            <a:ext cx="11131296" cy="853439"/>
+          </a:xfrm>
+        </p:spPr>
+        <p:txBody>
+          <a:bodyPr/>
+          <a:lstStyle/>
+          <a:p>
+            <a:r>
+              <a:rPr lang="en-US" dirty="0"/>
+              <a:t>Buyout Terms</a:t>
+            </a:r>
+          </a:p>
+        </p:txBody>
+      </p:sp>
+      <p:sp>
+        <p:nvSpPr>
+          <p:cNvPr id="3" name="Content Placeholder 2">
+            <a:extLst>
+              <a:ext uri="{FF2B5EF4-FFF2-40B4-BE49-F238E27FC236}">
+                <a16:creationId xmlns:a16="http://schemas.microsoft.com/office/drawing/2014/main" id="{BBA4BE2B-AFB8-2D46-8E51-565F1BA1F51C}"/>
+              </a:ext>
+            </a:extLst>
+          </p:cNvPr>
+          <p:cNvSpPr>
+            <a:spLocks noGrp="1"/>
+          </p:cNvSpPr>
+          <p:nvPr>
+            <p:ph idx="1"/>
+          </p:nvPr>
+        </p:nvSpPr>
+        <p:spPr>
+          <a:xfrm>
+            <a:off x="97536" y="950976"/>
+            <a:ext cx="11716512" cy="5809487"/>
+          </a:xfrm>
+        </p:spPr>
+        <p:txBody>
+          <a:bodyPr/>
+          <a:lstStyle/>
+          <a:p>
+            <a:r>
+              <a:rPr lang="en-US" b="1" dirty="0">
+                <a:solidFill>
+                  <a:schemeClr val="accent1"/>
+                </a:solidFill>
+              </a:rPr>
+              <a:t>BIMBO</a:t>
+            </a:r>
+            <a:r>
+              <a:rPr lang="en-US" dirty="0"/>
+              <a:t> – combination of MBO and MBI</a:t>
+            </a:r>
+          </a:p>
+          <a:p>
+            <a:pPr lvl="1"/>
+            <a:r>
+              <a:rPr lang="en-US" dirty="0"/>
+              <a:t>External senior executive teams up with the existing management to buyout the company with funding from a PE firm</a:t>
+            </a:r>
+          </a:p>
+          <a:p>
+            <a:r>
+              <a:rPr lang="en-US" b="1" dirty="0">
+                <a:solidFill>
+                  <a:schemeClr val="accent1"/>
+                </a:solidFill>
+              </a:rPr>
+              <a:t>Middle Market Buyouts</a:t>
+            </a:r>
+          </a:p>
+          <a:p>
+            <a:pPr lvl="1"/>
+            <a:r>
+              <a:rPr lang="en-US" dirty="0"/>
+              <a:t>Buyout market of the “middle market companies” – about $25m to $1bn revenue</a:t>
+            </a:r>
+          </a:p>
+          <a:p>
+            <a:pPr lvl="1"/>
+            <a:r>
+              <a:rPr lang="en-US" dirty="0"/>
+              <a:t>Generic to deals around this size, not refer to any strategy</a:t>
+            </a:r>
+          </a:p>
+          <a:p>
+            <a:r>
+              <a:rPr lang="en-US" b="1" dirty="0">
+                <a:solidFill>
+                  <a:schemeClr val="accent1"/>
+                </a:solidFill>
+              </a:rPr>
+              <a:t>JAMBOG</a:t>
+            </a:r>
+            <a:r>
+              <a:rPr lang="en-US" dirty="0"/>
+              <a:t> - Just Another Middle Market Buyout Group</a:t>
+            </a:r>
+          </a:p>
+          <a:p>
+            <a:pPr lvl="1"/>
+            <a:r>
+              <a:rPr lang="en-US" dirty="0"/>
+              <a:t>Not very polite term, often used by Limited Partners (LP), referring to a middle market buyout firm failed to differentiate itself in the market</a:t>
+            </a:r>
+          </a:p>
+        </p:txBody>
+      </p:sp>
+    </p:spTree>
+    <p:extLst>
+      <p:ext uri="{BB962C8B-B14F-4D97-AF65-F5344CB8AC3E}">
+        <p14:creationId xmlns:p14="http://schemas.microsoft.com/office/powerpoint/2010/main" val="2170397445"/>
       </p:ext>
     </p:extLst>
   </p:cSld>
@@ -4948,6 +5677,1405 @@
     <p:extLst>
       <p:ext uri="{BB962C8B-B14F-4D97-AF65-F5344CB8AC3E}">
         <p14:creationId xmlns:p14="http://schemas.microsoft.com/office/powerpoint/2010/main" val="574108788"/>
+      </p:ext>
+    </p:extLst>
+  </p:cSld>
+  <p:clrMapOvr>
+    <a:masterClrMapping/>
+  </p:clrMapOvr>
+</p:sld>
+</file>
+
+<file path=ppt/slides/slide20.xml><?xml version="1.0" encoding="utf-8"?>
+<p:sld xmlns:a="http://schemas.openxmlformats.org/drawingml/2006/main" xmlns:r="http://schemas.openxmlformats.org/officeDocument/2006/relationships" xmlns:p="http://schemas.openxmlformats.org/presentationml/2006/main">
+  <p:cSld>
+    <p:spTree>
+      <p:nvGrpSpPr>
+        <p:cNvPr id="1" name=""/>
+        <p:cNvGrpSpPr/>
+        <p:nvPr/>
+      </p:nvGrpSpPr>
+      <p:grpSpPr>
+        <a:xfrm>
+          <a:off x="0" y="0"/>
+          <a:ext cx="0" cy="0"/>
+          <a:chOff x="0" y="0"/>
+          <a:chExt cx="0" cy="0"/>
+        </a:xfrm>
+      </p:grpSpPr>
+      <p:sp>
+        <p:nvSpPr>
+          <p:cNvPr id="2" name="Title 1">
+            <a:extLst>
+              <a:ext uri="{FF2B5EF4-FFF2-40B4-BE49-F238E27FC236}">
+                <a16:creationId xmlns:a16="http://schemas.microsoft.com/office/drawing/2014/main" id="{541B14D1-F91B-5E42-9317-E38B488AE7BC}"/>
+              </a:ext>
+            </a:extLst>
+          </p:cNvPr>
+          <p:cNvSpPr>
+            <a:spLocks noGrp="1"/>
+          </p:cNvSpPr>
+          <p:nvPr>
+            <p:ph type="title"/>
+          </p:nvPr>
+        </p:nvSpPr>
+        <p:spPr>
+          <a:xfrm>
+            <a:off x="97536" y="97537"/>
+            <a:ext cx="11131296" cy="853439"/>
+          </a:xfrm>
+        </p:spPr>
+        <p:txBody>
+          <a:bodyPr/>
+          <a:lstStyle/>
+          <a:p>
+            <a:r>
+              <a:rPr lang="en-US" dirty="0"/>
+              <a:t>Buyout Terms – Secondary Transactions</a:t>
+            </a:r>
+          </a:p>
+        </p:txBody>
+      </p:sp>
+      <p:sp>
+        <p:nvSpPr>
+          <p:cNvPr id="3" name="Content Placeholder 2">
+            <a:extLst>
+              <a:ext uri="{FF2B5EF4-FFF2-40B4-BE49-F238E27FC236}">
+                <a16:creationId xmlns:a16="http://schemas.microsoft.com/office/drawing/2014/main" id="{BBA4BE2B-AFB8-2D46-8E51-565F1BA1F51C}"/>
+              </a:ext>
+            </a:extLst>
+          </p:cNvPr>
+          <p:cNvSpPr>
+            <a:spLocks noGrp="1"/>
+          </p:cNvSpPr>
+          <p:nvPr>
+            <p:ph idx="1"/>
+          </p:nvPr>
+        </p:nvSpPr>
+        <p:spPr>
+          <a:xfrm>
+            <a:off x="97536" y="950976"/>
+            <a:ext cx="11716512" cy="5809487"/>
+          </a:xfrm>
+        </p:spPr>
+        <p:txBody>
+          <a:bodyPr>
+            <a:normAutofit lnSpcReduction="10000"/>
+          </a:bodyPr>
+          <a:lstStyle/>
+          <a:p>
+            <a:r>
+              <a:rPr lang="en-US" b="1" dirty="0">
+                <a:solidFill>
+                  <a:schemeClr val="accent1"/>
+                </a:solidFill>
+              </a:rPr>
+              <a:t>Secondary Buyout</a:t>
+            </a:r>
+          </a:p>
+          <a:p>
+            <a:pPr lvl="1"/>
+            <a:r>
+              <a:rPr lang="en-US" dirty="0"/>
+              <a:t>Company already funded by a PE firm, is sold to another PE firm</a:t>
+            </a:r>
+          </a:p>
+          <a:p>
+            <a:pPr lvl="2"/>
+            <a:r>
+              <a:rPr lang="en-US" dirty="0"/>
+              <a:t>Not sold to a strategic / trade purchaser</a:t>
+            </a:r>
+          </a:p>
+          <a:p>
+            <a:pPr lvl="2"/>
+            <a:r>
+              <a:rPr lang="en-US" dirty="0"/>
+              <a:t>Advantage – provide direct liquidity for the seller, without need of IPO / trade sale</a:t>
+            </a:r>
+          </a:p>
+          <a:p>
+            <a:pPr lvl="1"/>
+            <a:r>
+              <a:rPr lang="en-US" dirty="0"/>
+              <a:t>There are specialist firms focusing on secondary transactions</a:t>
+            </a:r>
+          </a:p>
+          <a:p>
+            <a:r>
+              <a:rPr lang="en-US" b="1" dirty="0">
+                <a:solidFill>
+                  <a:schemeClr val="accent1"/>
+                </a:solidFill>
+              </a:rPr>
+              <a:t>Direct Secondary Transaction</a:t>
+            </a:r>
+          </a:p>
+          <a:p>
+            <a:pPr lvl="1"/>
+            <a:r>
+              <a:rPr lang="en-US" dirty="0"/>
+              <a:t>The stockholder, in a private company funded by a PE firm, sells its stake to another individual / LP / PE firm</a:t>
+            </a:r>
+          </a:p>
+          <a:p>
+            <a:r>
+              <a:rPr lang="en-US" b="1" dirty="0">
+                <a:solidFill>
+                  <a:schemeClr val="accent1"/>
+                </a:solidFill>
+              </a:rPr>
+              <a:t>LP Secondary / Fund Secondary</a:t>
+            </a:r>
+          </a:p>
+          <a:p>
+            <a:pPr lvl="1"/>
+            <a:r>
+              <a:rPr lang="en-US" dirty="0"/>
+              <a:t>An LP sells its LP interest in the Fund / company, to a 3</a:t>
+            </a:r>
+            <a:r>
+              <a:rPr lang="en-US" baseline="30000" dirty="0"/>
+              <a:t>rd</a:t>
+            </a:r>
+            <a:r>
+              <a:rPr lang="en-US" dirty="0"/>
+              <a:t> party</a:t>
+            </a:r>
+          </a:p>
+          <a:p>
+            <a:r>
+              <a:rPr lang="en-US" b="1" dirty="0">
+                <a:solidFill>
+                  <a:schemeClr val="accent1"/>
+                </a:solidFill>
+              </a:rPr>
+              <a:t>Synthetic Secondary</a:t>
+            </a:r>
+          </a:p>
+          <a:p>
+            <a:pPr lvl="1"/>
+            <a:r>
+              <a:rPr lang="en-US" dirty="0"/>
+              <a:t>An LP sells its economic interest (and liabilities) without transferring legal ownership</a:t>
+            </a:r>
+          </a:p>
+          <a:p>
+            <a:r>
+              <a:rPr lang="en-US" dirty="0"/>
+              <a:t>Secondary transactions can also take place when a 3</a:t>
+            </a:r>
+            <a:r>
+              <a:rPr lang="en-US" baseline="30000" dirty="0"/>
+              <a:t>rd</a:t>
+            </a:r>
+            <a:r>
+              <a:rPr lang="en-US" dirty="0"/>
+              <a:t> party LP wants to buy into a PE fund. They can also occur purely for capital / cash flow / portfolio balancing reasons</a:t>
+            </a:r>
+          </a:p>
+        </p:txBody>
+      </p:sp>
+    </p:spTree>
+    <p:extLst>
+      <p:ext uri="{BB962C8B-B14F-4D97-AF65-F5344CB8AC3E}">
+        <p14:creationId xmlns:p14="http://schemas.microsoft.com/office/powerpoint/2010/main" val="1438390949"/>
+      </p:ext>
+    </p:extLst>
+  </p:cSld>
+  <p:clrMapOvr>
+    <a:masterClrMapping/>
+  </p:clrMapOvr>
+</p:sld>
+</file>
+
+<file path=ppt/slides/slide21.xml><?xml version="1.0" encoding="utf-8"?>
+<p:sld xmlns:a="http://schemas.openxmlformats.org/drawingml/2006/main" xmlns:r="http://schemas.openxmlformats.org/officeDocument/2006/relationships" xmlns:p="http://schemas.openxmlformats.org/presentationml/2006/main">
+  <p:cSld>
+    <p:spTree>
+      <p:nvGrpSpPr>
+        <p:cNvPr id="1" name=""/>
+        <p:cNvGrpSpPr/>
+        <p:nvPr/>
+      </p:nvGrpSpPr>
+      <p:grpSpPr>
+        <a:xfrm>
+          <a:off x="0" y="0"/>
+          <a:ext cx="0" cy="0"/>
+          <a:chOff x="0" y="0"/>
+          <a:chExt cx="0" cy="0"/>
+        </a:xfrm>
+      </p:grpSpPr>
+      <p:sp>
+        <p:nvSpPr>
+          <p:cNvPr id="2" name="Title 1">
+            <a:extLst>
+              <a:ext uri="{FF2B5EF4-FFF2-40B4-BE49-F238E27FC236}">
+                <a16:creationId xmlns:a16="http://schemas.microsoft.com/office/drawing/2014/main" id="{541B14D1-F91B-5E42-9317-E38B488AE7BC}"/>
+              </a:ext>
+            </a:extLst>
+          </p:cNvPr>
+          <p:cNvSpPr>
+            <a:spLocks noGrp="1"/>
+          </p:cNvSpPr>
+          <p:nvPr>
+            <p:ph type="title"/>
+          </p:nvPr>
+        </p:nvSpPr>
+        <p:spPr>
+          <a:xfrm>
+            <a:off x="97536" y="97537"/>
+            <a:ext cx="11131296" cy="853439"/>
+          </a:xfrm>
+        </p:spPr>
+        <p:txBody>
+          <a:bodyPr/>
+          <a:lstStyle/>
+          <a:p>
+            <a:r>
+              <a:rPr lang="en-US" dirty="0"/>
+              <a:t>Investment Terms</a:t>
+            </a:r>
+          </a:p>
+        </p:txBody>
+      </p:sp>
+      <p:sp>
+        <p:nvSpPr>
+          <p:cNvPr id="3" name="Content Placeholder 2">
+            <a:extLst>
+              <a:ext uri="{FF2B5EF4-FFF2-40B4-BE49-F238E27FC236}">
+                <a16:creationId xmlns:a16="http://schemas.microsoft.com/office/drawing/2014/main" id="{BBA4BE2B-AFB8-2D46-8E51-565F1BA1F51C}"/>
+              </a:ext>
+            </a:extLst>
+          </p:cNvPr>
+          <p:cNvSpPr>
+            <a:spLocks noGrp="1"/>
+          </p:cNvSpPr>
+          <p:nvPr>
+            <p:ph idx="1"/>
+          </p:nvPr>
+        </p:nvSpPr>
+        <p:spPr>
+          <a:xfrm>
+            <a:off x="97536" y="950976"/>
+            <a:ext cx="11716512" cy="5809487"/>
+          </a:xfrm>
+        </p:spPr>
+        <p:txBody>
+          <a:bodyPr/>
+          <a:lstStyle/>
+          <a:p>
+            <a:r>
+              <a:rPr lang="en-US" b="1" dirty="0">
+                <a:solidFill>
+                  <a:schemeClr val="accent1"/>
+                </a:solidFill>
+              </a:rPr>
+              <a:t>Development Capital / Growth Capital / Expansion Capital / Growth Equity</a:t>
+            </a:r>
+          </a:p>
+          <a:p>
+            <a:pPr lvl="1"/>
+            <a:r>
+              <a:rPr lang="en-US" dirty="0"/>
+              <a:t>Minority investments by PE firms to help companies scale</a:t>
+            </a:r>
+          </a:p>
+          <a:p>
+            <a:pPr lvl="1"/>
+            <a:r>
+              <a:rPr lang="en-US" dirty="0"/>
+              <a:t>Other first institutional round of investment – Series A</a:t>
+            </a:r>
+          </a:p>
+          <a:p>
+            <a:r>
+              <a:rPr lang="en-US" b="1" dirty="0">
+                <a:solidFill>
+                  <a:schemeClr val="accent1"/>
+                </a:solidFill>
+              </a:rPr>
+              <a:t>Take Private / Public to Private</a:t>
+            </a:r>
+          </a:p>
+          <a:p>
+            <a:pPr lvl="1"/>
+            <a:r>
+              <a:rPr lang="en-US" dirty="0"/>
+              <a:t>Acquisition of a public company by a PE firm</a:t>
+            </a:r>
+          </a:p>
+          <a:p>
+            <a:r>
+              <a:rPr lang="en-US" b="1" dirty="0">
+                <a:solidFill>
+                  <a:schemeClr val="accent1"/>
+                </a:solidFill>
+              </a:rPr>
+              <a:t>Bridge Finance / Bridge Loan</a:t>
+            </a:r>
+          </a:p>
+          <a:p>
+            <a:pPr lvl="1"/>
+            <a:r>
+              <a:rPr lang="en-US" dirty="0"/>
+              <a:t>Usually used to fulfill short-term financing need</a:t>
+            </a:r>
+          </a:p>
+          <a:p>
+            <a:pPr lvl="1"/>
+            <a:r>
+              <a:rPr lang="en-US" dirty="0"/>
+              <a:t>Money made available to a company by investor, until the next financing round</a:t>
+            </a:r>
+          </a:p>
+          <a:p>
+            <a:pPr lvl="1"/>
+            <a:r>
+              <a:rPr lang="en-US" dirty="0"/>
+              <a:t>Normally structured as convertible debt, and convert into the investment round</a:t>
+            </a:r>
+          </a:p>
+          <a:p>
+            <a:r>
+              <a:rPr lang="en-US" b="1" dirty="0">
+                <a:solidFill>
+                  <a:schemeClr val="accent1"/>
+                </a:solidFill>
+              </a:rPr>
+              <a:t>Club Deal </a:t>
+            </a:r>
+            <a:r>
+              <a:rPr lang="en-US" dirty="0"/>
+              <a:t>– two PE firms team up to invest in a company</a:t>
+            </a:r>
+          </a:p>
+          <a:p>
+            <a:pPr lvl="1"/>
+            <a:r>
+              <a:rPr lang="en-US" dirty="0"/>
+              <a:t> Can be for financial reason, or complimentary expertise</a:t>
+            </a:r>
+          </a:p>
+          <a:p>
+            <a:r>
+              <a:rPr lang="en-US" b="1" dirty="0">
+                <a:solidFill>
+                  <a:schemeClr val="accent1"/>
+                </a:solidFill>
+              </a:rPr>
+              <a:t>Co-investment / Direct Investment</a:t>
+            </a:r>
+          </a:p>
+          <a:p>
+            <a:pPr lvl="1"/>
+            <a:r>
+              <a:rPr lang="en-US" dirty="0"/>
+              <a:t>An LP invests directly into the company along side the PE firm, not through the fund</a:t>
+            </a:r>
+          </a:p>
+        </p:txBody>
+      </p:sp>
+    </p:spTree>
+    <p:extLst>
+      <p:ext uri="{BB962C8B-B14F-4D97-AF65-F5344CB8AC3E}">
+        <p14:creationId xmlns:p14="http://schemas.microsoft.com/office/powerpoint/2010/main" val="1662623450"/>
+      </p:ext>
+    </p:extLst>
+  </p:cSld>
+  <p:clrMapOvr>
+    <a:masterClrMapping/>
+  </p:clrMapOvr>
+</p:sld>
+</file>
+
+<file path=ppt/slides/slide22.xml><?xml version="1.0" encoding="utf-8"?>
+<p:sld xmlns:a="http://schemas.openxmlformats.org/drawingml/2006/main" xmlns:r="http://schemas.openxmlformats.org/officeDocument/2006/relationships" xmlns:p="http://schemas.openxmlformats.org/presentationml/2006/main">
+  <p:cSld>
+    <p:spTree>
+      <p:nvGrpSpPr>
+        <p:cNvPr id="1" name=""/>
+        <p:cNvGrpSpPr/>
+        <p:nvPr/>
+      </p:nvGrpSpPr>
+      <p:grpSpPr>
+        <a:xfrm>
+          <a:off x="0" y="0"/>
+          <a:ext cx="0" cy="0"/>
+          <a:chOff x="0" y="0"/>
+          <a:chExt cx="0" cy="0"/>
+        </a:xfrm>
+      </p:grpSpPr>
+      <p:sp>
+        <p:nvSpPr>
+          <p:cNvPr id="2" name="Title 1">
+            <a:extLst>
+              <a:ext uri="{FF2B5EF4-FFF2-40B4-BE49-F238E27FC236}">
+                <a16:creationId xmlns:a16="http://schemas.microsoft.com/office/drawing/2014/main" id="{541B14D1-F91B-5E42-9317-E38B488AE7BC}"/>
+              </a:ext>
+            </a:extLst>
+          </p:cNvPr>
+          <p:cNvSpPr>
+            <a:spLocks noGrp="1"/>
+          </p:cNvSpPr>
+          <p:nvPr>
+            <p:ph type="title"/>
+          </p:nvPr>
+        </p:nvSpPr>
+        <p:spPr>
+          <a:xfrm>
+            <a:off x="97536" y="97537"/>
+            <a:ext cx="11131296" cy="853439"/>
+          </a:xfrm>
+        </p:spPr>
+        <p:txBody>
+          <a:bodyPr/>
+          <a:lstStyle/>
+          <a:p>
+            <a:r>
+              <a:rPr lang="en-US" dirty="0"/>
+              <a:t>Investment Terms</a:t>
+            </a:r>
+          </a:p>
+        </p:txBody>
+      </p:sp>
+      <p:sp>
+        <p:nvSpPr>
+          <p:cNvPr id="3" name="Content Placeholder 2">
+            <a:extLst>
+              <a:ext uri="{FF2B5EF4-FFF2-40B4-BE49-F238E27FC236}">
+                <a16:creationId xmlns:a16="http://schemas.microsoft.com/office/drawing/2014/main" id="{BBA4BE2B-AFB8-2D46-8E51-565F1BA1F51C}"/>
+              </a:ext>
+            </a:extLst>
+          </p:cNvPr>
+          <p:cNvSpPr>
+            <a:spLocks noGrp="1"/>
+          </p:cNvSpPr>
+          <p:nvPr>
+            <p:ph idx="1"/>
+          </p:nvPr>
+        </p:nvSpPr>
+        <p:spPr>
+          <a:xfrm>
+            <a:off x="97536" y="950976"/>
+            <a:ext cx="11716512" cy="5809487"/>
+          </a:xfrm>
+        </p:spPr>
+        <p:txBody>
+          <a:bodyPr>
+            <a:normAutofit fontScale="92500" lnSpcReduction="10000"/>
+          </a:bodyPr>
+          <a:lstStyle/>
+          <a:p>
+            <a:r>
+              <a:rPr lang="en-US" b="1" dirty="0">
+                <a:solidFill>
+                  <a:schemeClr val="accent1"/>
+                </a:solidFill>
+              </a:rPr>
+              <a:t>PIPE</a:t>
+            </a:r>
+            <a:r>
+              <a:rPr lang="en-US" dirty="0"/>
+              <a:t> – Private Investment in Public Equity</a:t>
+            </a:r>
+          </a:p>
+          <a:p>
+            <a:pPr lvl="1"/>
+            <a:r>
+              <a:rPr lang="en-US" dirty="0"/>
+              <a:t>A predominantly been limited to the US market</a:t>
+            </a:r>
+          </a:p>
+          <a:p>
+            <a:pPr lvl="1"/>
+            <a:r>
+              <a:rPr lang="en-US" dirty="0"/>
+              <a:t>Often an un-quoted instrument, created by the public company, for the PE firm, structured to delivery PE level investment return</a:t>
+            </a:r>
+          </a:p>
+          <a:p>
+            <a:pPr lvl="1"/>
+            <a:r>
+              <a:rPr lang="en-US" dirty="0"/>
+              <a:t>Enable the public company to access PE funds in a uniquely structured transaction</a:t>
+            </a:r>
+          </a:p>
+          <a:p>
+            <a:pPr lvl="1"/>
+            <a:r>
+              <a:rPr lang="en-US" dirty="0"/>
+              <a:t>Often used for a particular strategy / reason</a:t>
+            </a:r>
+          </a:p>
+          <a:p>
+            <a:r>
+              <a:rPr lang="en-US" b="1" dirty="0">
+                <a:solidFill>
+                  <a:schemeClr val="accent1"/>
+                </a:solidFill>
+              </a:rPr>
+              <a:t>Roll Up / Buy and Build</a:t>
+            </a:r>
+          </a:p>
+          <a:p>
+            <a:pPr lvl="1"/>
+            <a:r>
+              <a:rPr lang="en-US" dirty="0"/>
+              <a:t>A PE investment strategy – the PE firm initially buys a “</a:t>
+            </a:r>
+            <a:r>
+              <a:rPr lang="en-US" b="1" dirty="0">
+                <a:solidFill>
+                  <a:schemeClr val="accent1"/>
+                </a:solidFill>
+              </a:rPr>
+              <a:t>platform company</a:t>
+            </a:r>
+            <a:r>
+              <a:rPr lang="en-US" dirty="0"/>
+              <a:t>”, and then makes </a:t>
+            </a:r>
+            <a:r>
+              <a:rPr lang="en-US" dirty="0">
+                <a:solidFill>
+                  <a:schemeClr val="accent1"/>
+                </a:solidFill>
+              </a:rPr>
+              <a:t>a series of acquisitions </a:t>
+            </a:r>
+            <a:r>
+              <a:rPr lang="en-US" dirty="0"/>
+              <a:t>of its competitors</a:t>
+            </a:r>
+          </a:p>
+          <a:p>
+            <a:pPr lvl="1"/>
+            <a:r>
+              <a:rPr lang="en-US" dirty="0"/>
+              <a:t>Target to achieve market leadership / higher returns from economies of scale</a:t>
+            </a:r>
+          </a:p>
+          <a:p>
+            <a:r>
+              <a:rPr lang="en-US" b="1" dirty="0">
+                <a:solidFill>
+                  <a:schemeClr val="accent1"/>
+                </a:solidFill>
+              </a:rPr>
+              <a:t>Bolt On / Add On</a:t>
+            </a:r>
+          </a:p>
+          <a:p>
+            <a:pPr lvl="1"/>
+            <a:r>
+              <a:rPr lang="en-US" dirty="0"/>
+              <a:t>Similar to Buy and Build, but more opportunistic – may be a one-off M&amp;A transaction</a:t>
+            </a:r>
+          </a:p>
+          <a:p>
+            <a:r>
+              <a:rPr lang="en-US" b="1" dirty="0">
+                <a:solidFill>
+                  <a:schemeClr val="accent1"/>
+                </a:solidFill>
+              </a:rPr>
+              <a:t>Alternative Assets / Alternative Investments</a:t>
+            </a:r>
+          </a:p>
+          <a:p>
+            <a:pPr lvl="1"/>
+            <a:r>
+              <a:rPr lang="en-US" dirty="0"/>
+              <a:t>A broad term for assets not cash / bonds / publicly quoted equity</a:t>
+            </a:r>
+          </a:p>
+          <a:p>
+            <a:pPr lvl="1"/>
+            <a:r>
+              <a:rPr lang="en-US" dirty="0"/>
+              <a:t>Such as hedge funds, commodities, derivatives, etc.</a:t>
+            </a:r>
+          </a:p>
+          <a:p>
+            <a:pPr lvl="1"/>
+            <a:r>
+              <a:rPr lang="en-US" dirty="0"/>
+              <a:t>Also include PE, VC, buyouts, mezzanine, etc.</a:t>
+            </a:r>
+          </a:p>
+        </p:txBody>
+      </p:sp>
+    </p:spTree>
+    <p:extLst>
+      <p:ext uri="{BB962C8B-B14F-4D97-AF65-F5344CB8AC3E}">
+        <p14:creationId xmlns:p14="http://schemas.microsoft.com/office/powerpoint/2010/main" val="3624874200"/>
+      </p:ext>
+    </p:extLst>
+  </p:cSld>
+  <p:clrMapOvr>
+    <a:masterClrMapping/>
+  </p:clrMapOvr>
+</p:sld>
+</file>
+
+<file path=ppt/slides/slide23.xml><?xml version="1.0" encoding="utf-8"?>
+<p:sld xmlns:a="http://schemas.openxmlformats.org/drawingml/2006/main" xmlns:r="http://schemas.openxmlformats.org/officeDocument/2006/relationships" xmlns:p="http://schemas.openxmlformats.org/presentationml/2006/main">
+  <p:cSld>
+    <p:spTree>
+      <p:nvGrpSpPr>
+        <p:cNvPr id="1" name=""/>
+        <p:cNvGrpSpPr/>
+        <p:nvPr/>
+      </p:nvGrpSpPr>
+      <p:grpSpPr>
+        <a:xfrm>
+          <a:off x="0" y="0"/>
+          <a:ext cx="0" cy="0"/>
+          <a:chOff x="0" y="0"/>
+          <a:chExt cx="0" cy="0"/>
+        </a:xfrm>
+      </p:grpSpPr>
+      <p:sp>
+        <p:nvSpPr>
+          <p:cNvPr id="2" name="Title 1">
+            <a:extLst>
+              <a:ext uri="{FF2B5EF4-FFF2-40B4-BE49-F238E27FC236}">
+                <a16:creationId xmlns:a16="http://schemas.microsoft.com/office/drawing/2014/main" id="{541B14D1-F91B-5E42-9317-E38B488AE7BC}"/>
+              </a:ext>
+            </a:extLst>
+          </p:cNvPr>
+          <p:cNvSpPr>
+            <a:spLocks noGrp="1"/>
+          </p:cNvSpPr>
+          <p:nvPr>
+            <p:ph type="title"/>
+          </p:nvPr>
+        </p:nvSpPr>
+        <p:spPr>
+          <a:xfrm>
+            <a:off x="97536" y="97537"/>
+            <a:ext cx="11131296" cy="853439"/>
+          </a:xfrm>
+        </p:spPr>
+        <p:txBody>
+          <a:bodyPr/>
+          <a:lstStyle/>
+          <a:p>
+            <a:r>
+              <a:rPr lang="en-US" dirty="0"/>
+              <a:t>Investment Terms</a:t>
+            </a:r>
+          </a:p>
+        </p:txBody>
+      </p:sp>
+      <p:sp>
+        <p:nvSpPr>
+          <p:cNvPr id="3" name="Content Placeholder 2">
+            <a:extLst>
+              <a:ext uri="{FF2B5EF4-FFF2-40B4-BE49-F238E27FC236}">
+                <a16:creationId xmlns:a16="http://schemas.microsoft.com/office/drawing/2014/main" id="{BBA4BE2B-AFB8-2D46-8E51-565F1BA1F51C}"/>
+              </a:ext>
+            </a:extLst>
+          </p:cNvPr>
+          <p:cNvSpPr>
+            <a:spLocks noGrp="1"/>
+          </p:cNvSpPr>
+          <p:nvPr>
+            <p:ph idx="1"/>
+          </p:nvPr>
+        </p:nvSpPr>
+        <p:spPr>
+          <a:xfrm>
+            <a:off x="97536" y="950976"/>
+            <a:ext cx="11716512" cy="5809487"/>
+          </a:xfrm>
+        </p:spPr>
+        <p:txBody>
+          <a:bodyPr/>
+          <a:lstStyle/>
+          <a:p>
+            <a:r>
+              <a:rPr lang="en-US" b="1" dirty="0">
+                <a:solidFill>
+                  <a:schemeClr val="accent1"/>
+                </a:solidFill>
+              </a:rPr>
+              <a:t>Money In</a:t>
+            </a:r>
+          </a:p>
+          <a:p>
+            <a:pPr lvl="1"/>
+            <a:r>
+              <a:rPr lang="en-US" dirty="0"/>
+              <a:t>A development capital transaction, where money is put into the company by a PE firm</a:t>
+            </a:r>
+          </a:p>
+          <a:p>
+            <a:r>
+              <a:rPr lang="en-US" b="1" dirty="0">
+                <a:solidFill>
+                  <a:schemeClr val="accent1"/>
+                </a:solidFill>
+              </a:rPr>
+              <a:t>Money Out</a:t>
+            </a:r>
+          </a:p>
+          <a:p>
+            <a:pPr lvl="1"/>
+            <a:r>
+              <a:rPr lang="en-US" dirty="0"/>
+              <a:t>PE firm acquires directly stock from a business owner, who takes the money out of the company (and puts into his own bank account)</a:t>
+            </a:r>
+          </a:p>
+          <a:p>
+            <a:r>
+              <a:rPr lang="en-US" b="1" dirty="0">
+                <a:solidFill>
+                  <a:schemeClr val="accent1"/>
+                </a:solidFill>
+              </a:rPr>
+              <a:t>Follow On Investment</a:t>
+            </a:r>
+          </a:p>
+          <a:p>
+            <a:pPr lvl="1"/>
+            <a:r>
+              <a:rPr lang="en-US" dirty="0"/>
+              <a:t>An investor who has made an initial investment, invests in the next financing round</a:t>
+            </a:r>
+          </a:p>
+          <a:p>
+            <a:pPr lvl="1"/>
+            <a:r>
+              <a:rPr lang="en-US" dirty="0"/>
+              <a:t>Often used to avoid being diluted in the deal</a:t>
+            </a:r>
+          </a:p>
+          <a:p>
+            <a:pPr lvl="1"/>
+            <a:r>
+              <a:rPr lang="en-US" dirty="0"/>
+              <a:t>Often a right (option) specified in the terms of the original financing</a:t>
+            </a:r>
+          </a:p>
+          <a:p>
+            <a:r>
+              <a:rPr lang="en-US" b="1" dirty="0">
+                <a:solidFill>
+                  <a:schemeClr val="accent1"/>
+                </a:solidFill>
+              </a:rPr>
+              <a:t>Turnaround</a:t>
+            </a:r>
+          </a:p>
+          <a:p>
+            <a:pPr lvl="1"/>
+            <a:r>
+              <a:rPr lang="en-US" dirty="0"/>
+              <a:t>A specialized investment in a financial distressed company, target to restore profitability</a:t>
+            </a:r>
+          </a:p>
+          <a:p>
+            <a:pPr lvl="1"/>
+            <a:r>
+              <a:rPr lang="en-US" dirty="0"/>
+              <a:t>Initial cost is low, and the objective is clear – but can incur considerable cost because of financial and legal complexity</a:t>
+            </a:r>
+          </a:p>
+        </p:txBody>
+      </p:sp>
+    </p:spTree>
+    <p:extLst>
+      <p:ext uri="{BB962C8B-B14F-4D97-AF65-F5344CB8AC3E}">
+        <p14:creationId xmlns:p14="http://schemas.microsoft.com/office/powerpoint/2010/main" val="445398269"/>
+      </p:ext>
+    </p:extLst>
+  </p:cSld>
+  <p:clrMapOvr>
+    <a:masterClrMapping/>
+  </p:clrMapOvr>
+</p:sld>
+</file>
+
+<file path=ppt/slides/slide24.xml><?xml version="1.0" encoding="utf-8"?>
+<p:sld xmlns:a="http://schemas.openxmlformats.org/drawingml/2006/main" xmlns:r="http://schemas.openxmlformats.org/officeDocument/2006/relationships" xmlns:p="http://schemas.openxmlformats.org/presentationml/2006/main">
+  <p:cSld>
+    <p:spTree>
+      <p:nvGrpSpPr>
+        <p:cNvPr id="1" name=""/>
+        <p:cNvGrpSpPr/>
+        <p:nvPr/>
+      </p:nvGrpSpPr>
+      <p:grpSpPr>
+        <a:xfrm>
+          <a:off x="0" y="0"/>
+          <a:ext cx="0" cy="0"/>
+          <a:chOff x="0" y="0"/>
+          <a:chExt cx="0" cy="0"/>
+        </a:xfrm>
+      </p:grpSpPr>
+      <p:sp>
+        <p:nvSpPr>
+          <p:cNvPr id="2" name="Title 1">
+            <a:extLst>
+              <a:ext uri="{FF2B5EF4-FFF2-40B4-BE49-F238E27FC236}">
+                <a16:creationId xmlns:a16="http://schemas.microsoft.com/office/drawing/2014/main" id="{541B14D1-F91B-5E42-9317-E38B488AE7BC}"/>
+              </a:ext>
+            </a:extLst>
+          </p:cNvPr>
+          <p:cNvSpPr>
+            <a:spLocks noGrp="1"/>
+          </p:cNvSpPr>
+          <p:nvPr>
+            <p:ph type="title"/>
+          </p:nvPr>
+        </p:nvSpPr>
+        <p:spPr>
+          <a:xfrm>
+            <a:off x="97536" y="97537"/>
+            <a:ext cx="11131296" cy="853439"/>
+          </a:xfrm>
+        </p:spPr>
+        <p:txBody>
+          <a:bodyPr/>
+          <a:lstStyle/>
+          <a:p>
+            <a:r>
+              <a:rPr lang="en-US" dirty="0"/>
+              <a:t>Investment Terms</a:t>
+            </a:r>
+          </a:p>
+        </p:txBody>
+      </p:sp>
+      <p:sp>
+        <p:nvSpPr>
+          <p:cNvPr id="3" name="Content Placeholder 2">
+            <a:extLst>
+              <a:ext uri="{FF2B5EF4-FFF2-40B4-BE49-F238E27FC236}">
+                <a16:creationId xmlns:a16="http://schemas.microsoft.com/office/drawing/2014/main" id="{BBA4BE2B-AFB8-2D46-8E51-565F1BA1F51C}"/>
+              </a:ext>
+            </a:extLst>
+          </p:cNvPr>
+          <p:cNvSpPr>
+            <a:spLocks noGrp="1"/>
+          </p:cNvSpPr>
+          <p:nvPr>
+            <p:ph idx="1"/>
+          </p:nvPr>
+        </p:nvSpPr>
+        <p:spPr>
+          <a:xfrm>
+            <a:off x="97536" y="950976"/>
+            <a:ext cx="11716512" cy="5809487"/>
+          </a:xfrm>
+        </p:spPr>
+        <p:txBody>
+          <a:bodyPr/>
+          <a:lstStyle/>
+          <a:p>
+            <a:r>
+              <a:rPr lang="en-US" dirty="0"/>
+              <a:t>Committed Capital</a:t>
+            </a:r>
+          </a:p>
+          <a:p>
+            <a:pPr lvl="1"/>
+            <a:r>
+              <a:rPr lang="en-US" dirty="0"/>
+              <a:t>Total fund size – all commitments made by the LP</a:t>
+            </a:r>
+          </a:p>
+          <a:p>
+            <a:pPr lvl="1"/>
+            <a:r>
+              <a:rPr lang="en-US" dirty="0"/>
+              <a:t>PE funds operate on a committed capital basis</a:t>
+            </a:r>
+          </a:p>
+          <a:p>
+            <a:pPr lvl="1"/>
+            <a:r>
+              <a:rPr lang="en-US" dirty="0"/>
+              <a:t>Management fees are calculated on committed capital</a:t>
+            </a:r>
+          </a:p>
+          <a:p>
+            <a:r>
+              <a:rPr lang="en-US" dirty="0"/>
+              <a:t>Called Capital</a:t>
+            </a:r>
+          </a:p>
+          <a:p>
+            <a:pPr lvl="1"/>
+            <a:r>
+              <a:rPr lang="en-US" dirty="0"/>
+              <a:t>Total amount actually paid-in by the LPs at a point in time</a:t>
+            </a:r>
+          </a:p>
+          <a:p>
+            <a:pPr lvl="1"/>
+            <a:r>
+              <a:rPr lang="en-US" dirty="0"/>
+              <a:t>There is initial capital call, then over periods of time, further capital calls</a:t>
+            </a:r>
+          </a:p>
+          <a:p>
+            <a:r>
+              <a:rPr lang="en-US" dirty="0"/>
+              <a:t>Uncalled Capital = Committed Capital – Called Capital</a:t>
+            </a:r>
+          </a:p>
+        </p:txBody>
+      </p:sp>
+    </p:spTree>
+    <p:extLst>
+      <p:ext uri="{BB962C8B-B14F-4D97-AF65-F5344CB8AC3E}">
+        <p14:creationId xmlns:p14="http://schemas.microsoft.com/office/powerpoint/2010/main" val="1176989701"/>
+      </p:ext>
+    </p:extLst>
+  </p:cSld>
+  <p:clrMapOvr>
+    <a:masterClrMapping/>
+  </p:clrMapOvr>
+</p:sld>
+</file>
+
+<file path=ppt/slides/slide25.xml><?xml version="1.0" encoding="utf-8"?>
+<p:sld xmlns:a="http://schemas.openxmlformats.org/drawingml/2006/main" xmlns:r="http://schemas.openxmlformats.org/officeDocument/2006/relationships" xmlns:p="http://schemas.openxmlformats.org/presentationml/2006/main">
+  <p:cSld>
+    <p:spTree>
+      <p:nvGrpSpPr>
+        <p:cNvPr id="1" name=""/>
+        <p:cNvGrpSpPr/>
+        <p:nvPr/>
+      </p:nvGrpSpPr>
+      <p:grpSpPr>
+        <a:xfrm>
+          <a:off x="0" y="0"/>
+          <a:ext cx="0" cy="0"/>
+          <a:chOff x="0" y="0"/>
+          <a:chExt cx="0" cy="0"/>
+        </a:xfrm>
+      </p:grpSpPr>
+      <p:sp>
+        <p:nvSpPr>
+          <p:cNvPr id="2" name="Title 1">
+            <a:extLst>
+              <a:ext uri="{FF2B5EF4-FFF2-40B4-BE49-F238E27FC236}">
+                <a16:creationId xmlns:a16="http://schemas.microsoft.com/office/drawing/2014/main" id="{541B14D1-F91B-5E42-9317-E38B488AE7BC}"/>
+              </a:ext>
+            </a:extLst>
+          </p:cNvPr>
+          <p:cNvSpPr>
+            <a:spLocks noGrp="1"/>
+          </p:cNvSpPr>
+          <p:nvPr>
+            <p:ph type="title"/>
+          </p:nvPr>
+        </p:nvSpPr>
+        <p:spPr>
+          <a:xfrm>
+            <a:off x="97536" y="97537"/>
+            <a:ext cx="11131296" cy="853439"/>
+          </a:xfrm>
+        </p:spPr>
+        <p:txBody>
+          <a:bodyPr/>
+          <a:lstStyle/>
+          <a:p>
+            <a:r>
+              <a:rPr lang="en-US" dirty="0"/>
+              <a:t>Investment Terms</a:t>
+            </a:r>
+          </a:p>
+        </p:txBody>
+      </p:sp>
+      <p:sp>
+        <p:nvSpPr>
+          <p:cNvPr id="3" name="Content Placeholder 2">
+            <a:extLst>
+              <a:ext uri="{FF2B5EF4-FFF2-40B4-BE49-F238E27FC236}">
+                <a16:creationId xmlns:a16="http://schemas.microsoft.com/office/drawing/2014/main" id="{BBA4BE2B-AFB8-2D46-8E51-565F1BA1F51C}"/>
+              </a:ext>
+            </a:extLst>
+          </p:cNvPr>
+          <p:cNvSpPr>
+            <a:spLocks noGrp="1"/>
+          </p:cNvSpPr>
+          <p:nvPr>
+            <p:ph idx="1"/>
+          </p:nvPr>
+        </p:nvSpPr>
+        <p:spPr>
+          <a:xfrm>
+            <a:off x="97536" y="950976"/>
+            <a:ext cx="11716512" cy="5809487"/>
+          </a:xfrm>
+        </p:spPr>
+        <p:txBody>
+          <a:bodyPr>
+            <a:normAutofit fontScale="92500" lnSpcReduction="10000"/>
+          </a:bodyPr>
+          <a:lstStyle/>
+          <a:p>
+            <a:r>
+              <a:rPr lang="en-US" b="1" dirty="0">
+                <a:solidFill>
+                  <a:schemeClr val="accent1"/>
+                </a:solidFill>
+              </a:rPr>
+              <a:t>Funds of Funds</a:t>
+            </a:r>
+          </a:p>
+          <a:p>
+            <a:pPr lvl="1"/>
+            <a:r>
+              <a:rPr lang="en-US" dirty="0"/>
+              <a:t>PE funds which invest into other PE funds</a:t>
+            </a:r>
+          </a:p>
+          <a:p>
+            <a:pPr lvl="1"/>
+            <a:r>
+              <a:rPr lang="en-US" dirty="0"/>
+              <a:t>Usually “</a:t>
+            </a:r>
+            <a:r>
+              <a:rPr lang="en-US" b="1" dirty="0">
+                <a:solidFill>
+                  <a:schemeClr val="accent1"/>
+                </a:solidFill>
+              </a:rPr>
+              <a:t>Blind Pools</a:t>
+            </a:r>
+            <a:r>
+              <a:rPr lang="en-US" dirty="0"/>
+              <a:t>” – when an LP invests in the Fund of Funds, it will not know which PE funds this Fund of Funds will take position in</a:t>
+            </a:r>
+          </a:p>
+          <a:p>
+            <a:pPr lvl="1"/>
+            <a:r>
+              <a:rPr lang="en-US" dirty="0">
+                <a:solidFill>
+                  <a:schemeClr val="accent1"/>
+                </a:solidFill>
+              </a:rPr>
+              <a:t>Benefits to LP</a:t>
+            </a:r>
+          </a:p>
+          <a:p>
+            <a:pPr lvl="2"/>
+            <a:r>
+              <a:rPr lang="en-US" dirty="0"/>
+              <a:t>Diversification</a:t>
+            </a:r>
+          </a:p>
+          <a:p>
+            <a:pPr lvl="2"/>
+            <a:r>
+              <a:rPr lang="en-US" dirty="0"/>
+              <a:t>The investment team provides expert analysis of the targeted funds</a:t>
+            </a:r>
+          </a:p>
+          <a:p>
+            <a:pPr lvl="2"/>
+            <a:r>
+              <a:rPr lang="en-US" dirty="0"/>
+              <a:t>Often have strategic / geographic specialization</a:t>
+            </a:r>
+          </a:p>
+          <a:p>
+            <a:pPr lvl="2"/>
+            <a:r>
+              <a:rPr lang="en-US" dirty="0"/>
+              <a:t>Remove administrative burden – capital calls, capital distributions of all forms</a:t>
+            </a:r>
+          </a:p>
+          <a:p>
+            <a:pPr lvl="2"/>
+            <a:r>
+              <a:rPr lang="en-US" dirty="0"/>
+              <a:t>Allow a small LP to gain access to wide range of PE funds</a:t>
+            </a:r>
+          </a:p>
+          <a:p>
+            <a:pPr lvl="2"/>
+            <a:r>
+              <a:rPr lang="en-US" dirty="0"/>
+              <a:t>Good for new LP to get onboard PE asset class</a:t>
+            </a:r>
+          </a:p>
+          <a:p>
+            <a:pPr lvl="1"/>
+            <a:r>
+              <a:rPr lang="en-US" dirty="0">
+                <a:solidFill>
+                  <a:schemeClr val="accent1"/>
+                </a:solidFill>
+              </a:rPr>
+              <a:t>Problems</a:t>
+            </a:r>
+          </a:p>
+          <a:p>
+            <a:pPr lvl="2"/>
+            <a:r>
+              <a:rPr lang="en-US" dirty="0"/>
+              <a:t>Pay two sets of management fees</a:t>
+            </a:r>
+          </a:p>
+          <a:p>
+            <a:pPr lvl="2"/>
+            <a:r>
+              <a:rPr lang="en-US" dirty="0"/>
+              <a:t>Diversification can lower the risk, but also lower the return</a:t>
+            </a:r>
+          </a:p>
+          <a:p>
+            <a:pPr lvl="2"/>
+            <a:r>
+              <a:rPr lang="en-US" dirty="0"/>
+              <a:t>LP will have less access/relationship to the fund managers in the PE funds</a:t>
+            </a:r>
+          </a:p>
+          <a:p>
+            <a:pPr lvl="2"/>
+            <a:r>
+              <a:rPr lang="en-US" dirty="0"/>
+              <a:t>May have longer and deeper</a:t>
+            </a:r>
+            <a:r>
+              <a:rPr lang="en-US" b="1" dirty="0">
+                <a:solidFill>
+                  <a:schemeClr val="accent1"/>
+                </a:solidFill>
+              </a:rPr>
+              <a:t> J-Curve </a:t>
+            </a:r>
+            <a:r>
+              <a:rPr lang="en-US" dirty="0"/>
+              <a:t>– negative returns at early stages before turning positive</a:t>
+            </a:r>
+          </a:p>
+          <a:p>
+            <a:pPr lvl="2"/>
+            <a:r>
+              <a:rPr lang="en-US" dirty="0"/>
+              <a:t>LP will have less information of the companies getting invested</a:t>
+            </a:r>
+          </a:p>
+          <a:p>
+            <a:pPr lvl="2"/>
+            <a:r>
+              <a:rPr lang="en-US" dirty="0"/>
+              <a:t>Less liquid (greater discount risk) compared to LP in PE funds, which has a secondary market</a:t>
+            </a:r>
+          </a:p>
+          <a:p>
+            <a:endParaRPr lang="en-US" dirty="0"/>
+          </a:p>
+          <a:p>
+            <a:endParaRPr lang="en-US" dirty="0"/>
+          </a:p>
+        </p:txBody>
+      </p:sp>
+    </p:spTree>
+    <p:extLst>
+      <p:ext uri="{BB962C8B-B14F-4D97-AF65-F5344CB8AC3E}">
+        <p14:creationId xmlns:p14="http://schemas.microsoft.com/office/powerpoint/2010/main" val="3195040659"/>
+      </p:ext>
+    </p:extLst>
+  </p:cSld>
+  <p:clrMapOvr>
+    <a:masterClrMapping/>
+  </p:clrMapOvr>
+</p:sld>
+</file>
+
+<file path=ppt/slides/slide26.xml><?xml version="1.0" encoding="utf-8"?>
+<p:sld xmlns:a="http://schemas.openxmlformats.org/drawingml/2006/main" xmlns:r="http://schemas.openxmlformats.org/officeDocument/2006/relationships" xmlns:p="http://schemas.openxmlformats.org/presentationml/2006/main">
+  <p:cSld>
+    <p:spTree>
+      <p:nvGrpSpPr>
+        <p:cNvPr id="1" name=""/>
+        <p:cNvGrpSpPr/>
+        <p:nvPr/>
+      </p:nvGrpSpPr>
+      <p:grpSpPr>
+        <a:xfrm>
+          <a:off x="0" y="0"/>
+          <a:ext cx="0" cy="0"/>
+          <a:chOff x="0" y="0"/>
+          <a:chExt cx="0" cy="0"/>
+        </a:xfrm>
+      </p:grpSpPr>
+      <p:sp>
+        <p:nvSpPr>
+          <p:cNvPr id="2" name="Title 1">
+            <a:extLst>
+              <a:ext uri="{FF2B5EF4-FFF2-40B4-BE49-F238E27FC236}">
+                <a16:creationId xmlns:a16="http://schemas.microsoft.com/office/drawing/2014/main" id="{541B14D1-F91B-5E42-9317-E38B488AE7BC}"/>
+              </a:ext>
+            </a:extLst>
+          </p:cNvPr>
+          <p:cNvSpPr>
+            <a:spLocks noGrp="1"/>
+          </p:cNvSpPr>
+          <p:nvPr>
+            <p:ph type="title"/>
+          </p:nvPr>
+        </p:nvSpPr>
+        <p:spPr>
+          <a:xfrm>
+            <a:off x="97536" y="97537"/>
+            <a:ext cx="11131296" cy="853439"/>
+          </a:xfrm>
+        </p:spPr>
+        <p:txBody>
+          <a:bodyPr/>
+          <a:lstStyle/>
+          <a:p>
+            <a:r>
+              <a:rPr lang="en-US" dirty="0"/>
+              <a:t>A</a:t>
+            </a:r>
+          </a:p>
+        </p:txBody>
+      </p:sp>
+      <p:sp>
+        <p:nvSpPr>
+          <p:cNvPr id="3" name="Content Placeholder 2">
+            <a:extLst>
+              <a:ext uri="{FF2B5EF4-FFF2-40B4-BE49-F238E27FC236}">
+                <a16:creationId xmlns:a16="http://schemas.microsoft.com/office/drawing/2014/main" id="{BBA4BE2B-AFB8-2D46-8E51-565F1BA1F51C}"/>
+              </a:ext>
+            </a:extLst>
+          </p:cNvPr>
+          <p:cNvSpPr>
+            <a:spLocks noGrp="1"/>
+          </p:cNvSpPr>
+          <p:nvPr>
+            <p:ph idx="1"/>
+          </p:nvPr>
+        </p:nvSpPr>
+        <p:spPr>
+          <a:xfrm>
+            <a:off x="97536" y="950976"/>
+            <a:ext cx="11716512" cy="5809487"/>
+          </a:xfrm>
+        </p:spPr>
+        <p:txBody>
+          <a:bodyPr/>
+          <a:lstStyle/>
+          <a:p>
+            <a:r>
+              <a:rPr lang="en-US" dirty="0"/>
+              <a:t>A</a:t>
+            </a:r>
+          </a:p>
+        </p:txBody>
+      </p:sp>
+    </p:spTree>
+    <p:extLst>
+      <p:ext uri="{BB962C8B-B14F-4D97-AF65-F5344CB8AC3E}">
+        <p14:creationId xmlns:p14="http://schemas.microsoft.com/office/powerpoint/2010/main" val="374956071"/>
+      </p:ext>
+    </p:extLst>
+  </p:cSld>
+  <p:clrMapOvr>
+    <a:masterClrMapping/>
+  </p:clrMapOvr>
+</p:sld>
+</file>
+
+<file path=ppt/slides/slide27.xml><?xml version="1.0" encoding="utf-8"?>
+<p:sld xmlns:a="http://schemas.openxmlformats.org/drawingml/2006/main" xmlns:r="http://schemas.openxmlformats.org/officeDocument/2006/relationships" xmlns:p="http://schemas.openxmlformats.org/presentationml/2006/main">
+  <p:cSld>
+    <p:spTree>
+      <p:nvGrpSpPr>
+        <p:cNvPr id="1" name=""/>
+        <p:cNvGrpSpPr/>
+        <p:nvPr/>
+      </p:nvGrpSpPr>
+      <p:grpSpPr>
+        <a:xfrm>
+          <a:off x="0" y="0"/>
+          <a:ext cx="0" cy="0"/>
+          <a:chOff x="0" y="0"/>
+          <a:chExt cx="0" cy="0"/>
+        </a:xfrm>
+      </p:grpSpPr>
+      <p:sp>
+        <p:nvSpPr>
+          <p:cNvPr id="2" name="Title 1">
+            <a:extLst>
+              <a:ext uri="{FF2B5EF4-FFF2-40B4-BE49-F238E27FC236}">
+                <a16:creationId xmlns:a16="http://schemas.microsoft.com/office/drawing/2014/main" id="{541B14D1-F91B-5E42-9317-E38B488AE7BC}"/>
+              </a:ext>
+            </a:extLst>
+          </p:cNvPr>
+          <p:cNvSpPr>
+            <a:spLocks noGrp="1"/>
+          </p:cNvSpPr>
+          <p:nvPr>
+            <p:ph type="title"/>
+          </p:nvPr>
+        </p:nvSpPr>
+        <p:spPr>
+          <a:xfrm>
+            <a:off x="97536" y="97537"/>
+            <a:ext cx="11131296" cy="853439"/>
+          </a:xfrm>
+        </p:spPr>
+        <p:txBody>
+          <a:bodyPr/>
+          <a:lstStyle/>
+          <a:p>
+            <a:r>
+              <a:rPr lang="en-US" dirty="0"/>
+              <a:t>A</a:t>
+            </a:r>
+          </a:p>
+        </p:txBody>
+      </p:sp>
+      <p:sp>
+        <p:nvSpPr>
+          <p:cNvPr id="3" name="Content Placeholder 2">
+            <a:extLst>
+              <a:ext uri="{FF2B5EF4-FFF2-40B4-BE49-F238E27FC236}">
+                <a16:creationId xmlns:a16="http://schemas.microsoft.com/office/drawing/2014/main" id="{BBA4BE2B-AFB8-2D46-8E51-565F1BA1F51C}"/>
+              </a:ext>
+            </a:extLst>
+          </p:cNvPr>
+          <p:cNvSpPr>
+            <a:spLocks noGrp="1"/>
+          </p:cNvSpPr>
+          <p:nvPr>
+            <p:ph idx="1"/>
+          </p:nvPr>
+        </p:nvSpPr>
+        <p:spPr>
+          <a:xfrm>
+            <a:off x="97536" y="950976"/>
+            <a:ext cx="11716512" cy="5809487"/>
+          </a:xfrm>
+        </p:spPr>
+        <p:txBody>
+          <a:bodyPr/>
+          <a:lstStyle/>
+          <a:p>
+            <a:r>
+              <a:rPr lang="en-US" dirty="0"/>
+              <a:t>A</a:t>
+            </a:r>
+          </a:p>
+        </p:txBody>
+      </p:sp>
+    </p:spTree>
+    <p:extLst>
+      <p:ext uri="{BB962C8B-B14F-4D97-AF65-F5344CB8AC3E}">
+        <p14:creationId xmlns:p14="http://schemas.microsoft.com/office/powerpoint/2010/main" val="1438633395"/>
       </p:ext>
     </p:extLst>
   </p:cSld>

--- a/(2021 John) Private Equity Finance/Presentation1.pptx
+++ b/(2021 John) Private Equity Finance/Presentation1.pptx
@@ -15,13 +15,13 @@
     <p:sldId id="264" r:id="rId9"/>
     <p:sldId id="260" r:id="rId10"/>
     <p:sldId id="265" r:id="rId11"/>
-    <p:sldId id="266" r:id="rId12"/>
-    <p:sldId id="273" r:id="rId13"/>
-    <p:sldId id="269" r:id="rId14"/>
-    <p:sldId id="270" r:id="rId15"/>
-    <p:sldId id="271" r:id="rId16"/>
-    <p:sldId id="272" r:id="rId17"/>
-    <p:sldId id="267" r:id="rId18"/>
+    <p:sldId id="271" r:id="rId12"/>
+    <p:sldId id="272" r:id="rId13"/>
+    <p:sldId id="267" r:id="rId14"/>
+    <p:sldId id="266" r:id="rId15"/>
+    <p:sldId id="273" r:id="rId16"/>
+    <p:sldId id="269" r:id="rId17"/>
+    <p:sldId id="270" r:id="rId18"/>
     <p:sldId id="274" r:id="rId19"/>
     <p:sldId id="275" r:id="rId20"/>
     <p:sldId id="277" r:id="rId21"/>
@@ -31,7 +31,9 @@
     <p:sldId id="281" r:id="rId25"/>
     <p:sldId id="280" r:id="rId26"/>
     <p:sldId id="282" r:id="rId27"/>
-    <p:sldId id="283" r:id="rId28"/>
+    <p:sldId id="284" r:id="rId28"/>
+    <p:sldId id="285" r:id="rId29"/>
+    <p:sldId id="283" r:id="rId30"/>
   </p:sldIdLst>
   <p:sldSz cx="12192000" cy="6858000"/>
   <p:notesSz cx="6858000" cy="9144000"/>
@@ -155,24 +157,38 @@
             <p14:sldId id="265"/>
           </p14:sldIdLst>
         </p14:section>
-        <p14:section name="Terminologies" id="{2F976675-9D35-4E47-9221-6FC1B184291B}">
+        <p14:section name="Terminologies - Investors" id="{2F976675-9D35-4E47-9221-6FC1B184291B}">
+          <p14:sldIdLst>
+            <p14:sldId id="271"/>
+            <p14:sldId id="272"/>
+            <p14:sldId id="267"/>
+          </p14:sldIdLst>
+        </p14:section>
+        <p14:section name="Terminologies - Buyout Terms" id="{60756234-A966-3A4E-BEC1-36BA44701487}">
           <p14:sldIdLst>
             <p14:sldId id="266"/>
             <p14:sldId id="273"/>
             <p14:sldId id="269"/>
             <p14:sldId id="270"/>
-            <p14:sldId id="271"/>
-            <p14:sldId id="272"/>
-            <p14:sldId id="267"/>
             <p14:sldId id="274"/>
             <p14:sldId id="275"/>
             <p14:sldId id="277"/>
+          </p14:sldIdLst>
+        </p14:section>
+        <p14:section name="Terminologies - Investment Terms" id="{D057314D-9166-8C48-A495-661F84F0227C}">
+          <p14:sldIdLst>
             <p14:sldId id="279"/>
             <p14:sldId id="278"/>
             <p14:sldId id="276"/>
             <p14:sldId id="281"/>
             <p14:sldId id="280"/>
+          </p14:sldIdLst>
+        </p14:section>
+        <p14:section name="Key Characteristics of PE Firms" id="{432506C0-2B4D-E846-B336-23C7F3992D3F}">
+          <p14:sldIdLst>
             <p14:sldId id="282"/>
+            <p14:sldId id="284"/>
+            <p14:sldId id="285"/>
             <p14:sldId id="283"/>
           </p14:sldIdLst>
         </p14:section>
@@ -334,7 +350,7 @@
           <a:p>
             <a:fld id="{8D4CD40C-F5B6-4747-AEA7-46806588EA62}" type="datetimeFigureOut">
               <a:rPr lang="en-US" smtClean="0"/>
-              <a:t>2/12/22</a:t>
+              <a:t>2/14/22</a:t>
             </a:fld>
             <a:endParaRPr lang="en-US"/>
           </a:p>
@@ -534,7 +550,7 @@
           <a:p>
             <a:fld id="{8D4CD40C-F5B6-4747-AEA7-46806588EA62}" type="datetimeFigureOut">
               <a:rPr lang="en-US" smtClean="0"/>
-              <a:t>2/12/22</a:t>
+              <a:t>2/14/22</a:t>
             </a:fld>
             <a:endParaRPr lang="en-US"/>
           </a:p>
@@ -744,7 +760,7 @@
           <a:p>
             <a:fld id="{8D4CD40C-F5B6-4747-AEA7-46806588EA62}" type="datetimeFigureOut">
               <a:rPr lang="en-US" smtClean="0"/>
-              <a:t>2/12/22</a:t>
+              <a:t>2/14/22</a:t>
             </a:fld>
             <a:endParaRPr lang="en-US"/>
           </a:p>
@@ -944,7 +960,7 @@
           <a:p>
             <a:fld id="{8D4CD40C-F5B6-4747-AEA7-46806588EA62}" type="datetimeFigureOut">
               <a:rPr lang="en-US" smtClean="0"/>
-              <a:t>2/12/22</a:t>
+              <a:t>2/14/22</a:t>
             </a:fld>
             <a:endParaRPr lang="en-US"/>
           </a:p>
@@ -1220,7 +1236,7 @@
           <a:p>
             <a:fld id="{8D4CD40C-F5B6-4747-AEA7-46806588EA62}" type="datetimeFigureOut">
               <a:rPr lang="en-US" smtClean="0"/>
-              <a:t>2/12/22</a:t>
+              <a:t>2/14/22</a:t>
             </a:fld>
             <a:endParaRPr lang="en-US"/>
           </a:p>
@@ -1488,7 +1504,7 @@
           <a:p>
             <a:fld id="{8D4CD40C-F5B6-4747-AEA7-46806588EA62}" type="datetimeFigureOut">
               <a:rPr lang="en-US" smtClean="0"/>
-              <a:t>2/12/22</a:t>
+              <a:t>2/14/22</a:t>
             </a:fld>
             <a:endParaRPr lang="en-US"/>
           </a:p>
@@ -1903,7 +1919,7 @@
           <a:p>
             <a:fld id="{8D4CD40C-F5B6-4747-AEA7-46806588EA62}" type="datetimeFigureOut">
               <a:rPr lang="en-US" smtClean="0"/>
-              <a:t>2/12/22</a:t>
+              <a:t>2/14/22</a:t>
             </a:fld>
             <a:endParaRPr lang="en-US"/>
           </a:p>
@@ -2045,7 +2061,7 @@
           <a:p>
             <a:fld id="{8D4CD40C-F5B6-4747-AEA7-46806588EA62}" type="datetimeFigureOut">
               <a:rPr lang="en-US" smtClean="0"/>
-              <a:t>2/12/22</a:t>
+              <a:t>2/14/22</a:t>
             </a:fld>
             <a:endParaRPr lang="en-US"/>
           </a:p>
@@ -2158,7 +2174,7 @@
           <a:p>
             <a:fld id="{8D4CD40C-F5B6-4747-AEA7-46806588EA62}" type="datetimeFigureOut">
               <a:rPr lang="en-US" smtClean="0"/>
-              <a:t>2/12/22</a:t>
+              <a:t>2/14/22</a:t>
             </a:fld>
             <a:endParaRPr lang="en-US"/>
           </a:p>
@@ -2471,7 +2487,7 @@
           <a:p>
             <a:fld id="{8D4CD40C-F5B6-4747-AEA7-46806588EA62}" type="datetimeFigureOut">
               <a:rPr lang="en-US" smtClean="0"/>
-              <a:t>2/12/22</a:t>
+              <a:t>2/14/22</a:t>
             </a:fld>
             <a:endParaRPr lang="en-US"/>
           </a:p>
@@ -2760,7 +2776,7 @@
           <a:p>
             <a:fld id="{8D4CD40C-F5B6-4747-AEA7-46806588EA62}" type="datetimeFigureOut">
               <a:rPr lang="en-US" smtClean="0"/>
-              <a:t>2/12/22</a:t>
+              <a:t>2/14/22</a:t>
             </a:fld>
             <a:endParaRPr lang="en-US"/>
           </a:p>
@@ -3003,7 +3019,7 @@
           <a:p>
             <a:fld id="{8D4CD40C-F5B6-4747-AEA7-46806588EA62}" type="datetimeFigureOut">
               <a:rPr lang="en-US" smtClean="0"/>
-              <a:t>2/12/22</a:t>
+              <a:t>2/14/22</a:t>
             </a:fld>
             <a:endParaRPr lang="en-US"/>
           </a:p>
@@ -3597,7 +3613,7 @@
           <a:p>
             <a:r>
               <a:rPr lang="en-US" dirty="0"/>
-              <a:t>Senior roles</a:t>
+              <a:t>Senior roles usually cover</a:t>
             </a:r>
           </a:p>
           <a:p>
@@ -3688,19 +3704,7 @@
           <a:p>
             <a:r>
               <a:rPr lang="en-US" dirty="0"/>
-              <a:t>Management Buyout (</a:t>
-            </a:r>
-            <a:r>
-              <a:rPr lang="en-US" b="1" dirty="0">
-                <a:solidFill>
-                  <a:schemeClr val="accent1"/>
-                </a:solidFill>
-              </a:rPr>
-              <a:t>MBO</a:t>
-            </a:r>
-            <a:r>
-              <a:rPr lang="en-US" dirty="0"/>
-              <a:t>)</a:t>
+              <a:t>Investors</a:t>
             </a:r>
           </a:p>
         </p:txBody>
@@ -3734,142 +3738,207 @@
           <a:lstStyle/>
           <a:p>
             <a:r>
-              <a:rPr lang="en-US" dirty="0"/>
-              <a:t>A deal in which a business is bough from its owners by its management team, financed by a PE firm.</a:t>
-            </a:r>
-          </a:p>
-          <a:p>
-            <a:pPr lvl="1"/>
+              <a:rPr lang="en-US" b="1" dirty="0">
+                <a:solidFill>
+                  <a:schemeClr val="accent1"/>
+                </a:solidFill>
+              </a:rPr>
+              <a:t>Incubator</a:t>
+            </a:r>
+            <a:r>
+              <a:rPr lang="en-US" dirty="0"/>
+              <a:t>: an organization provides start-up companies with space and resources</a:t>
+            </a:r>
+          </a:p>
+          <a:p>
+            <a:pPr lvl="1"/>
+            <a:r>
+              <a:rPr lang="en-US" dirty="0"/>
+              <a:t>limited amount of cash (like 20 to 30 K)</a:t>
+            </a:r>
+          </a:p>
+          <a:p>
+            <a:pPr lvl="1"/>
+            <a:r>
+              <a:rPr lang="en-US" dirty="0"/>
+              <a:t>Mentorship, network introductions, help with finding strategic partners and investors</a:t>
+            </a:r>
+          </a:p>
+          <a:p>
+            <a:r>
+              <a:rPr lang="en-US" b="1" dirty="0">
+                <a:solidFill>
+                  <a:schemeClr val="accent1"/>
+                </a:solidFill>
+              </a:rPr>
+              <a:t>Bootstrap</a:t>
+            </a:r>
+            <a:r>
+              <a:rPr lang="en-US" dirty="0"/>
+              <a:t>: funding your startup from your own resources</a:t>
+            </a:r>
+          </a:p>
+          <a:p>
+            <a:r>
+              <a:rPr lang="en-US" b="1" dirty="0">
+                <a:solidFill>
+                  <a:schemeClr val="accent1"/>
+                </a:solidFill>
+              </a:rPr>
+              <a:t>Angel Investor</a:t>
+            </a:r>
+          </a:p>
+          <a:p>
+            <a:pPr lvl="1"/>
+            <a:r>
+              <a:rPr lang="en-US" dirty="0"/>
+              <a:t>Typically </a:t>
+            </a:r>
             <a:r>
               <a:rPr lang="en-US" dirty="0">
                 <a:solidFill>
                   <a:schemeClr val="accent1"/>
                 </a:solidFill>
               </a:rPr>
-              <a:t>Common opportunities</a:t>
+              <a:t>high net worth individuals (HNI)</a:t>
+            </a:r>
+            <a:r>
+              <a:rPr lang="en-US" dirty="0"/>
+              <a:t>; not professional VC / PE</a:t>
+            </a:r>
+          </a:p>
+          <a:p>
+            <a:pPr lvl="1"/>
+            <a:r>
+              <a:rPr lang="en-US" dirty="0"/>
+              <a:t>Use their own money, invest maybe $250 K to $500 K</a:t>
+            </a:r>
+          </a:p>
+          <a:p>
+            <a:pPr lvl="1"/>
+            <a:r>
+              <a:rPr lang="en-US" dirty="0"/>
+              <a:t>Seek for large portion of equity (like 33%), often want to go on the board</a:t>
+            </a:r>
+          </a:p>
+          <a:p>
+            <a:r>
+              <a:rPr lang="en-US" b="1" dirty="0">
+                <a:solidFill>
+                  <a:schemeClr val="accent1"/>
+                </a:solidFill>
+              </a:rPr>
+              <a:t>Venture Capital</a:t>
+            </a:r>
+          </a:p>
+          <a:p>
+            <a:pPr lvl="1"/>
+            <a:r>
+              <a:rPr lang="en-US" dirty="0"/>
+              <a:t>The </a:t>
+            </a:r>
+            <a:r>
+              <a:rPr lang="en-US" dirty="0">
+                <a:solidFill>
+                  <a:schemeClr val="accent1"/>
+                </a:solidFill>
+              </a:rPr>
+              <a:t>first tranche </a:t>
+            </a:r>
+            <a:r>
+              <a:rPr lang="en-US" dirty="0"/>
+              <a:t>of professional investors</a:t>
+            </a:r>
+          </a:p>
+          <a:p>
+            <a:pPr lvl="1"/>
+            <a:r>
+              <a:rPr lang="en-US" dirty="0"/>
+              <a:t>Typically take a minority investment in high-growth early-stage companies</a:t>
             </a:r>
           </a:p>
           <a:p>
             <a:pPr lvl="2"/>
             <a:r>
               <a:rPr lang="en-US" dirty="0"/>
-              <a:t>Corporate restructuring – to buy the non-core business spun out</a:t>
+              <a:t>Usually companies post revenue, but pre-profit/positive cash flow</a:t>
             </a:r>
           </a:p>
           <a:p>
             <a:pPr lvl="2"/>
             <a:r>
-              <a:rPr lang="en-US" dirty="0"/>
-              <a:t>Sellout by the controlling shareholders / founders</a:t>
-            </a:r>
-          </a:p>
-          <a:p>
-            <a:pPr lvl="2"/>
-            <a:r>
-              <a:rPr lang="en-US" dirty="0"/>
-              <a:t>Sale of the viable part of business, from a collapsed business, by a Receiver / Administrator</a:t>
-            </a:r>
-          </a:p>
-          <a:p>
-            <a:pPr lvl="2"/>
-            <a:endParaRPr lang="en-US" dirty="0"/>
-          </a:p>
-          <a:p>
-            <a:pPr lvl="1"/>
-            <a:r>
-              <a:rPr lang="en-US" dirty="0"/>
-              <a:t>Parties in the deal – each has own agenda / priorities / interests / expectations</a:t>
-            </a:r>
-          </a:p>
-          <a:p>
-            <a:pPr lvl="2"/>
-            <a:r>
-              <a:rPr lang="en-US" dirty="0"/>
-              <a:t>The seller</a:t>
-            </a:r>
-          </a:p>
-          <a:p>
-            <a:pPr lvl="2"/>
-            <a:r>
-              <a:rPr lang="en-US" dirty="0"/>
-              <a:t>The </a:t>
-            </a:r>
-            <a:r>
               <a:rPr lang="en-US" dirty="0">
                 <a:solidFill>
                   <a:schemeClr val="accent1"/>
                 </a:solidFill>
               </a:rPr>
-              <a:t>Special Purpose Vehicle (SPV) company </a:t>
-            </a:r>
-            <a:r>
-              <a:rPr lang="en-US" dirty="0"/>
-              <a:t>formed to make this acquisition</a:t>
-            </a:r>
-          </a:p>
-          <a:p>
-            <a:pPr lvl="2"/>
-            <a:r>
-              <a:rPr lang="en-US" dirty="0"/>
-              <a:t>PE and 3</a:t>
-            </a:r>
-            <a:r>
-              <a:rPr lang="en-US" baseline="30000" dirty="0"/>
-              <a:t>rd</a:t>
-            </a:r>
-            <a:r>
-              <a:rPr lang="en-US" dirty="0"/>
-              <a:t> party funders (usually banks)</a:t>
-            </a:r>
-          </a:p>
-          <a:p>
-            <a:pPr lvl="2"/>
-            <a:r>
-              <a:rPr lang="en-US" dirty="0"/>
-              <a:t>Buyout Team – formed by different people within the party</a:t>
-            </a:r>
-          </a:p>
-          <a:p>
-            <a:pPr lvl="2"/>
-            <a:r>
-              <a:rPr lang="en-US" dirty="0">
-                <a:solidFill>
-                  <a:schemeClr val="accent1"/>
-                </a:solidFill>
-              </a:rPr>
-              <a:t>Due Diligence Advisers </a:t>
-            </a:r>
-            <a:r>
-              <a:rPr lang="en-US" dirty="0"/>
-              <a:t>(lawyers &amp; accountants) – advise the buyers to check the quality and the correctness of the business they are buying</a:t>
-            </a:r>
-          </a:p>
-          <a:p>
-            <a:pPr lvl="2"/>
-            <a:r>
-              <a:rPr lang="en-US" dirty="0"/>
-              <a:t>Financial Advisers</a:t>
-            </a:r>
-          </a:p>
-          <a:p>
-            <a:pPr lvl="2"/>
-            <a:r>
-              <a:rPr lang="en-US" dirty="0"/>
-              <a:t>Tax Advisers</a:t>
-            </a:r>
-          </a:p>
-          <a:p>
-            <a:pPr lvl="2"/>
-            <a:r>
-              <a:rPr lang="en-US" dirty="0"/>
-              <a:t>Legal</a:t>
-            </a:r>
-          </a:p>
-          <a:p>
-            <a:pPr lvl="2"/>
-            <a:r>
-              <a:rPr lang="en-US" dirty="0"/>
-              <a:t>…</a:t>
+              <a:t>With negative cash flow – no access to debt – need VC investment</a:t>
+            </a:r>
+          </a:p>
+          <a:p>
+            <a:pPr lvl="1"/>
+            <a:r>
+              <a:rPr lang="en-US" dirty="0"/>
+              <a:t>High risk, high return</a:t>
+            </a:r>
+          </a:p>
+        </p:txBody>
+      </p:sp>
+      <p:sp>
+        <p:nvSpPr>
+          <p:cNvPr id="4" name="Rectangle 3">
+            <a:extLst>
+              <a:ext uri="{FF2B5EF4-FFF2-40B4-BE49-F238E27FC236}">
+                <a16:creationId xmlns:a16="http://schemas.microsoft.com/office/drawing/2014/main" id="{5F6DAF33-8EE9-654C-A490-878DB3FF2BA5}"/>
+              </a:ext>
+            </a:extLst>
+          </p:cNvPr>
+          <p:cNvSpPr/>
+          <p:nvPr/>
+        </p:nvSpPr>
+        <p:spPr>
+          <a:xfrm>
+            <a:off x="9235439" y="5752407"/>
+            <a:ext cx="1712422" cy="853439"/>
+          </a:xfrm>
+          <a:prstGeom prst="rect">
+            <a:avLst/>
+          </a:prstGeom>
+          <a:solidFill>
+            <a:schemeClr val="accent4">
+              <a:lumMod val="40000"/>
+              <a:lumOff val="60000"/>
+            </a:schemeClr>
+          </a:solidFill>
+        </p:spPr>
+        <p:style>
+          <a:lnRef idx="2">
+            <a:schemeClr val="accent4">
+              <a:shade val="50000"/>
+            </a:schemeClr>
+          </a:lnRef>
+          <a:fillRef idx="1">
+            <a:schemeClr val="accent4"/>
+          </a:fillRef>
+          <a:effectRef idx="0">
+            <a:schemeClr val="accent4"/>
+          </a:effectRef>
+          <a:fontRef idx="minor">
+            <a:schemeClr val="lt1"/>
+          </a:fontRef>
+        </p:style>
+        <p:txBody>
+          <a:bodyPr rtlCol="0" anchor="ctr"/>
+          <a:lstStyle/>
+          <a:p>
+            <a:pPr algn="ctr"/>
+            <a:r>
+              <a:rPr lang="en-US" sz="1400" dirty="0">
+                <a:solidFill>
+                  <a:schemeClr val="tx1"/>
+                </a:solidFill>
+              </a:rPr>
+              <a:t>“bad” financials can be seen as opportunity</a:t>
             </a:r>
           </a:p>
         </p:txBody>
@@ -3877,7 +3946,7 @@
     </p:spTree>
     <p:extLst>
       <p:ext uri="{BB962C8B-B14F-4D97-AF65-F5344CB8AC3E}">
-        <p14:creationId xmlns:p14="http://schemas.microsoft.com/office/powerpoint/2010/main" val="1826643229"/>
+        <p14:creationId xmlns:p14="http://schemas.microsoft.com/office/powerpoint/2010/main" val="1956361438"/>
       </p:ext>
     </p:extLst>
   </p:cSld>
@@ -3932,19 +4001,7 @@
           <a:p>
             <a:r>
               <a:rPr lang="en-US" dirty="0"/>
-              <a:t>Management Buyout (</a:t>
-            </a:r>
-            <a:r>
-              <a:rPr lang="en-US" b="1" dirty="0">
-                <a:solidFill>
-                  <a:schemeClr val="accent1"/>
-                </a:solidFill>
-              </a:rPr>
-              <a:t>MBO</a:t>
-            </a:r>
-            <a:r>
-              <a:rPr lang="en-US" dirty="0"/>
-              <a:t>)</a:t>
+              <a:t>Investor</a:t>
             </a:r>
           </a:p>
         </p:txBody>
@@ -3972,126 +4029,171 @@
           </a:xfrm>
         </p:spPr>
         <p:txBody>
-          <a:bodyPr>
-            <a:normAutofit/>
-          </a:bodyPr>
-          <a:lstStyle/>
-          <a:p>
-            <a:r>
-              <a:rPr lang="en-US" dirty="0"/>
-              <a:t>Funding</a:t>
-            </a:r>
-          </a:p>
-          <a:p>
-            <a:pPr lvl="1"/>
-            <a:r>
-              <a:rPr lang="en-US" dirty="0"/>
-              <a:t>Debt / Equity / Working Capital Facilities (loans and overdrafts)</a:t>
-            </a:r>
-          </a:p>
-          <a:p>
-            <a:pPr lvl="1"/>
-            <a:r>
-              <a:rPr lang="en-US" dirty="0"/>
-              <a:t>Banks normally provide </a:t>
-            </a:r>
-            <a:r>
-              <a:rPr lang="en-US" dirty="0">
+          <a:bodyPr/>
+          <a:lstStyle/>
+          <a:p>
+            <a:r>
+              <a:rPr lang="en-US" b="1" dirty="0">
                 <a:solidFill>
                   <a:schemeClr val="accent1"/>
                 </a:solidFill>
               </a:rPr>
-              <a:t>debt funding</a:t>
-            </a:r>
-          </a:p>
-          <a:p>
-            <a:pPr lvl="2"/>
-            <a:r>
-              <a:rPr lang="en-US" dirty="0"/>
-              <a:t>Amount varies from each deal – can be below 10% or above 70%</a:t>
-            </a:r>
-          </a:p>
-          <a:p>
-            <a:pPr lvl="2"/>
-            <a:r>
-              <a:rPr lang="en-US" dirty="0"/>
-              <a:t>Banks usually seek to get security over assets – low risk</a:t>
-            </a:r>
-          </a:p>
-          <a:p>
-            <a:pPr lvl="2"/>
-            <a:r>
-              <a:rPr lang="en-US" dirty="0"/>
-              <a:t>Earn interest payments and principle repayments</a:t>
-            </a:r>
-          </a:p>
-          <a:p>
-            <a:pPr lvl="1"/>
-            <a:r>
-              <a:rPr lang="en-US" dirty="0">
+              <a:t>Growth Equity</a:t>
+            </a:r>
+          </a:p>
+          <a:p>
+            <a:pPr lvl="1"/>
+            <a:r>
+              <a:rPr lang="en-US" dirty="0"/>
+              <a:t>A PE firm makes minority/majority investment in an early-stage company</a:t>
+            </a:r>
+          </a:p>
+          <a:p>
+            <a:pPr lvl="1"/>
+            <a:r>
+              <a:rPr lang="en-US" dirty="0"/>
+              <a:t>Aiming to transform less mature companies into market leaders</a:t>
+            </a:r>
+          </a:p>
+          <a:p>
+            <a:pPr lvl="1"/>
+            <a:r>
+              <a:rPr lang="en-US" dirty="0"/>
+              <a:t>Usually target companies with proven product to be scaled</a:t>
+            </a:r>
+          </a:p>
+          <a:p>
+            <a:r>
+              <a:rPr lang="en-US" b="1" dirty="0">
                 <a:solidFill>
                   <a:schemeClr val="accent1"/>
                 </a:solidFill>
               </a:rPr>
-              <a:t>Private Equity (PE)</a:t>
-            </a:r>
-          </a:p>
-          <a:p>
-            <a:pPr lvl="2"/>
-            <a:r>
-              <a:rPr lang="en-US" dirty="0"/>
-              <a:t>Maybe 40-50%</a:t>
-            </a:r>
-          </a:p>
-          <a:p>
-            <a:pPr lvl="2"/>
-            <a:r>
-              <a:rPr lang="en-US" dirty="0"/>
-              <a:t>Alongside management, control relationship through Shareholder Agreement, which gives them rights and </a:t>
-            </a:r>
-            <a:r>
-              <a:rPr lang="en-US" dirty="0" err="1"/>
-              <a:t>vetos</a:t>
-            </a:r>
+              <a:t>Mezzanine Finance </a:t>
+            </a:r>
+            <a:r>
+              <a:rPr lang="en-US" dirty="0"/>
+              <a:t>– provided by specialist PE funds</a:t>
+            </a:r>
+          </a:p>
+          <a:p>
+            <a:pPr lvl="1"/>
+            <a:r>
+              <a:rPr lang="en-US" dirty="0"/>
+              <a:t>Focus on junior/subordinated debt – ranked below senior debt, above PE funds</a:t>
+            </a:r>
+          </a:p>
+          <a:p>
+            <a:pPr lvl="1"/>
+            <a:r>
+              <a:rPr lang="en-US" dirty="0"/>
+              <a:t>Yield 15% +, often with equity kicker warrants (convert to equity/indeed options)</a:t>
+            </a:r>
+          </a:p>
+          <a:p>
+            <a:pPr lvl="1"/>
+            <a:r>
+              <a:rPr lang="en-US" dirty="0"/>
+              <a:t>Used to fill funding gaps, when senior debt is not being offered to the extent required by the lead PE investor</a:t>
+            </a:r>
+          </a:p>
+          <a:p>
+            <a:r>
+              <a:rPr lang="en-US" b="1" dirty="0">
+                <a:solidFill>
+                  <a:schemeClr val="accent1"/>
+                </a:solidFill>
+              </a:rPr>
+              <a:t>PE firms </a:t>
+            </a:r>
+            <a:r>
+              <a:rPr lang="en-US" dirty="0"/>
+              <a:t>– range of firms focusing on various investment strategies</a:t>
+            </a:r>
+          </a:p>
+          <a:p>
+            <a:pPr lvl="1"/>
+            <a:r>
+              <a:rPr lang="en-US" dirty="0"/>
+              <a:t>Investment size can be from millions to billions</a:t>
+            </a:r>
+          </a:p>
+          <a:p>
+            <a:pPr lvl="1"/>
+            <a:r>
+              <a:rPr lang="en-US" dirty="0"/>
+              <a:t>Core center of the buyout market</a:t>
+            </a:r>
+          </a:p>
+          <a:p>
+            <a:pPr lvl="1"/>
             <a:endParaRPr lang="en-US" dirty="0"/>
           </a:p>
           <a:p>
             <a:pPr lvl="1"/>
-            <a:r>
-              <a:rPr lang="en-US" dirty="0">
-                <a:solidFill>
-                  <a:schemeClr val="accent1"/>
-                </a:solidFill>
-              </a:rPr>
-              <a:t>Management Equity</a:t>
-            </a:r>
-          </a:p>
-          <a:p>
-            <a:pPr lvl="2"/>
-            <a:r>
-              <a:rPr lang="en-US" dirty="0"/>
-              <a:t>Usually the smallest amount, like 5-10%, but structured with highest potential capital gain</a:t>
-            </a:r>
-          </a:p>
-          <a:p>
-            <a:pPr lvl="2"/>
-            <a:r>
-              <a:rPr lang="en-US" dirty="0"/>
-              <a:t>For the management to have a skin in the game</a:t>
-            </a:r>
-          </a:p>
-          <a:p>
-            <a:r>
-              <a:rPr lang="en-US" dirty="0"/>
-              <a:t>MBO provides the management with the opportunity to make a substantial capital gain for a relatively modest investment - </a:t>
-            </a:r>
-            <a:r>
-              <a:rPr lang="en-US" dirty="0">
-                <a:solidFill>
-                  <a:schemeClr val="accent1"/>
-                </a:solidFill>
-              </a:rPr>
-              <a:t>driven by the management</a:t>
+            <a:endParaRPr lang="en-US" dirty="0"/>
+          </a:p>
+          <a:p>
+            <a:pPr lvl="1"/>
+            <a:endParaRPr lang="en-US" dirty="0"/>
+          </a:p>
+        </p:txBody>
+      </p:sp>
+      <p:sp>
+        <p:nvSpPr>
+          <p:cNvPr id="4" name="Rectangle 3">
+            <a:extLst>
+              <a:ext uri="{FF2B5EF4-FFF2-40B4-BE49-F238E27FC236}">
+                <a16:creationId xmlns:a16="http://schemas.microsoft.com/office/drawing/2014/main" id="{E36ABF55-7216-614D-A739-58A19DC32DE8}"/>
+              </a:ext>
+            </a:extLst>
+          </p:cNvPr>
+          <p:cNvSpPr/>
+          <p:nvPr/>
+        </p:nvSpPr>
+        <p:spPr>
+          <a:xfrm>
+            <a:off x="9634450" y="1945178"/>
+            <a:ext cx="1712422" cy="853439"/>
+          </a:xfrm>
+          <a:prstGeom prst="rect">
+            <a:avLst/>
+          </a:prstGeom>
+          <a:solidFill>
+            <a:schemeClr val="accent4">
+              <a:lumMod val="40000"/>
+              <a:lumOff val="60000"/>
+            </a:schemeClr>
+          </a:solidFill>
+        </p:spPr>
+        <p:style>
+          <a:lnRef idx="2">
+            <a:schemeClr val="accent4">
+              <a:shade val="50000"/>
+            </a:schemeClr>
+          </a:lnRef>
+          <a:fillRef idx="1">
+            <a:schemeClr val="accent4"/>
+          </a:fillRef>
+          <a:effectRef idx="0">
+            <a:schemeClr val="accent4"/>
+          </a:effectRef>
+          <a:fontRef idx="minor">
+            <a:schemeClr val="lt1"/>
+          </a:fontRef>
+        </p:style>
+        <p:txBody>
+          <a:bodyPr rtlCol="0" anchor="ctr"/>
+          <a:lstStyle/>
+          <a:p>
+            <a:pPr algn="ctr"/>
+            <a:r>
+              <a:rPr lang="en-US" sz="1400" dirty="0">
+                <a:solidFill>
+                  <a:schemeClr val="tx1"/>
+                </a:solidFill>
+              </a:rPr>
+              <a:t>Prove product to be scaled</a:t>
             </a:r>
           </a:p>
         </p:txBody>
@@ -4099,7 +4201,7 @@
     </p:spTree>
     <p:extLst>
       <p:ext uri="{BB962C8B-B14F-4D97-AF65-F5344CB8AC3E}">
-        <p14:creationId xmlns:p14="http://schemas.microsoft.com/office/powerpoint/2010/main" val="1069284553"/>
+        <p14:creationId xmlns:p14="http://schemas.microsoft.com/office/powerpoint/2010/main" val="1148610247"/>
       </p:ext>
     </p:extLst>
   </p:cSld>
@@ -4154,19 +4256,7 @@
           <a:p>
             <a:r>
               <a:rPr lang="en-US" dirty="0"/>
-              <a:t>Leveraged Buyout (</a:t>
-            </a:r>
-            <a:r>
-              <a:rPr lang="en-US" b="1" dirty="0">
-                <a:solidFill>
-                  <a:schemeClr val="accent1"/>
-                </a:solidFill>
-              </a:rPr>
-              <a:t>LBO</a:t>
-            </a:r>
-            <a:r>
-              <a:rPr lang="en-US" dirty="0"/>
-              <a:t>)</a:t>
+              <a:t>Investors</a:t>
             </a:r>
           </a:p>
         </p:txBody>
@@ -4194,90 +4284,195 @@
           </a:xfrm>
         </p:spPr>
         <p:txBody>
-          <a:bodyPr/>
-          <a:lstStyle/>
-          <a:p>
-            <a:r>
-              <a:rPr lang="en-US" dirty="0"/>
-              <a:t>The core components of LBO are the same as MBO</a:t>
-            </a:r>
-          </a:p>
-          <a:p>
-            <a:endParaRPr lang="en-US" dirty="0"/>
-          </a:p>
-          <a:p>
-            <a:r>
-              <a:rPr lang="en-US" dirty="0"/>
-              <a:t>The core difference:</a:t>
-            </a:r>
-          </a:p>
-          <a:p>
-            <a:pPr lvl="1"/>
-            <a:r>
-              <a:rPr lang="en-US" dirty="0"/>
-              <a:t>While an MBO is driven by the management team,</a:t>
-            </a:r>
-            <a:br>
-              <a:rPr lang="en-US" dirty="0"/>
-            </a:br>
-            <a:r>
-              <a:rPr lang="en-US" dirty="0"/>
-              <a:t>An </a:t>
-            </a:r>
-            <a:r>
-              <a:rPr lang="en-US" dirty="0">
+          <a:bodyPr>
+            <a:normAutofit fontScale="92500" lnSpcReduction="10000"/>
+          </a:bodyPr>
+          <a:lstStyle/>
+          <a:p>
+            <a:r>
+              <a:rPr lang="en-US" b="1" dirty="0">
                 <a:solidFill>
                   <a:schemeClr val="accent1"/>
                 </a:solidFill>
               </a:rPr>
-              <a:t>LBO is driven by the PE firms </a:t>
-            </a:r>
-            <a:r>
-              <a:rPr lang="en-US" dirty="0"/>
-              <a:t>and their financial goals.</a:t>
-            </a:r>
-          </a:p>
-          <a:p>
-            <a:pPr lvl="1"/>
-            <a:endParaRPr lang="en-US" dirty="0"/>
-          </a:p>
-          <a:p>
-            <a:r>
-              <a:rPr lang="en-US" dirty="0"/>
-              <a:t>The basic idea</a:t>
-            </a:r>
-          </a:p>
-          <a:p>
-            <a:pPr lvl="1"/>
-            <a:r>
-              <a:rPr lang="en-US" dirty="0"/>
-              <a:t>Use debt to leverage (multiply) the power of your cash (your own equity)</a:t>
-            </a:r>
-          </a:p>
-          <a:p>
-            <a:pPr lvl="1"/>
-            <a:r>
-              <a:rPr lang="en-US" dirty="0"/>
-              <a:t>When you sell, you have used the cash from the business to pay down the debt</a:t>
-            </a:r>
-          </a:p>
-          <a:p>
-            <a:pPr lvl="1"/>
-            <a:r>
-              <a:rPr lang="en-US" dirty="0"/>
-              <a:t>This can greatly enhance the value of your original equity investment</a:t>
-            </a:r>
-          </a:p>
-          <a:p>
-            <a:pPr lvl="1"/>
-            <a:endParaRPr lang="en-US" dirty="0"/>
+              <a:t>Family Office </a:t>
+            </a:r>
+            <a:r>
+              <a:rPr lang="en-US" dirty="0"/>
+              <a:t>- Investment firm established by a wealthy family</a:t>
+            </a:r>
+          </a:p>
+          <a:p>
+            <a:pPr lvl="1"/>
+            <a:r>
+              <a:rPr lang="en-US" dirty="0"/>
+              <a:t>Manage assets and investments of the family</a:t>
+            </a:r>
+          </a:p>
+          <a:p>
+            <a:pPr lvl="1"/>
+            <a:r>
+              <a:rPr lang="en-US" dirty="0"/>
+              <a:t>Long time horizon - not very focus on realization, but to build up asset portfolios</a:t>
+            </a:r>
+          </a:p>
+          <a:p>
+            <a:r>
+              <a:rPr lang="en-US" b="1" dirty="0">
+                <a:solidFill>
+                  <a:schemeClr val="accent1"/>
+                </a:solidFill>
+              </a:rPr>
+              <a:t>Strategic Investor</a:t>
+            </a:r>
+          </a:p>
+          <a:p>
+            <a:pPr lvl="1"/>
+            <a:r>
+              <a:rPr lang="en-US" dirty="0"/>
+              <a:t>An established company invests in early-stage companies to gain access to new technology / business model</a:t>
+            </a:r>
+          </a:p>
+          <a:p>
+            <a:pPr lvl="1"/>
+            <a:r>
+              <a:rPr lang="en-US" dirty="0"/>
+              <a:t>Often come in in-place-of a VC / a joint venture structure / option or intention to acquire the company</a:t>
+            </a:r>
+          </a:p>
+          <a:p>
+            <a:pPr lvl="1"/>
+            <a:r>
+              <a:rPr lang="en-US" dirty="0"/>
+              <a:t>Give the founders the opportunity to grow the business before they bring it in-house</a:t>
+            </a:r>
+          </a:p>
+          <a:p>
+            <a:r>
+              <a:rPr lang="en-US" b="1" dirty="0">
+                <a:solidFill>
+                  <a:schemeClr val="accent1"/>
+                </a:solidFill>
+              </a:rPr>
+              <a:t>Corporate Venture Capital (CVC)</a:t>
+            </a:r>
+          </a:p>
+          <a:p>
+            <a:pPr lvl="1"/>
+            <a:r>
+              <a:rPr lang="en-US" dirty="0"/>
+              <a:t>Established companies investing, either opportunistically or as part of a formal program, targeted at early-stage business often with innovative technology</a:t>
+            </a:r>
+          </a:p>
+          <a:p>
+            <a:pPr lvl="1"/>
+            <a:r>
+              <a:rPr lang="en-US" dirty="0"/>
+              <a:t>Also a way to prevent competitors to take the technology</a:t>
+            </a:r>
+          </a:p>
+          <a:p>
+            <a:r>
+              <a:rPr lang="en-US" b="1" dirty="0">
+                <a:solidFill>
+                  <a:schemeClr val="accent1"/>
+                </a:solidFill>
+              </a:rPr>
+              <a:t>Crowdfunding</a:t>
+            </a:r>
+            <a:r>
+              <a:rPr lang="en-US" dirty="0"/>
+              <a:t> (</a:t>
+            </a:r>
+            <a:r>
+              <a:rPr lang="en-US" dirty="0" err="1"/>
+              <a:t>kickstarter</a:t>
+            </a:r>
+            <a:r>
+              <a:rPr lang="en-US" dirty="0"/>
+              <a:t>, </a:t>
+            </a:r>
+            <a:r>
+              <a:rPr lang="en-US" dirty="0" err="1"/>
+              <a:t>indiegogo</a:t>
+            </a:r>
+            <a:r>
+              <a:rPr lang="en-US" dirty="0"/>
+              <a:t>)</a:t>
+            </a:r>
+          </a:p>
+          <a:p>
+            <a:pPr lvl="1"/>
+            <a:r>
+              <a:rPr lang="en-US" dirty="0"/>
+              <a:t>An effective way since the last 5-10 years, for startup companies to raise small amounts from large number of non-professional investors, on very informal terms</a:t>
+            </a:r>
+          </a:p>
+        </p:txBody>
+      </p:sp>
+      <p:sp>
+        <p:nvSpPr>
+          <p:cNvPr id="4" name="Rectangle 3">
+            <a:extLst>
+              <a:ext uri="{FF2B5EF4-FFF2-40B4-BE49-F238E27FC236}">
+                <a16:creationId xmlns:a16="http://schemas.microsoft.com/office/drawing/2014/main" id="{39033B4D-625A-ED4A-A50F-852AF2B86EAA}"/>
+              </a:ext>
+            </a:extLst>
+          </p:cNvPr>
+          <p:cNvSpPr/>
+          <p:nvPr/>
+        </p:nvSpPr>
+        <p:spPr>
+          <a:xfrm>
+            <a:off x="10101626" y="1377695"/>
+            <a:ext cx="1712422" cy="853439"/>
+          </a:xfrm>
+          <a:prstGeom prst="rect">
+            <a:avLst/>
+          </a:prstGeom>
+          <a:solidFill>
+            <a:schemeClr val="accent4">
+              <a:lumMod val="40000"/>
+              <a:lumOff val="60000"/>
+            </a:schemeClr>
+          </a:solidFill>
+        </p:spPr>
+        <p:style>
+          <a:lnRef idx="2">
+            <a:schemeClr val="accent4">
+              <a:shade val="50000"/>
+            </a:schemeClr>
+          </a:lnRef>
+          <a:fillRef idx="1">
+            <a:schemeClr val="accent4"/>
+          </a:fillRef>
+          <a:effectRef idx="0">
+            <a:schemeClr val="accent4"/>
+          </a:effectRef>
+          <a:fontRef idx="minor">
+            <a:schemeClr val="lt1"/>
+          </a:fontRef>
+        </p:style>
+        <p:txBody>
+          <a:bodyPr rtlCol="0" anchor="ctr"/>
+          <a:lstStyle/>
+          <a:p>
+            <a:pPr algn="ctr"/>
+            <a:r>
+              <a:rPr lang="en-US" sz="1400" dirty="0">
+                <a:solidFill>
+                  <a:schemeClr val="tx1"/>
+                </a:solidFill>
+              </a:rPr>
+              <a:t>New technology</a:t>
+            </a:r>
           </a:p>
         </p:txBody>
       </p:sp>
     </p:spTree>
     <p:extLst>
       <p:ext uri="{BB962C8B-B14F-4D97-AF65-F5344CB8AC3E}">
-        <p14:creationId xmlns:p14="http://schemas.microsoft.com/office/powerpoint/2010/main" val="2774903984"/>
+        <p14:creationId xmlns:p14="http://schemas.microsoft.com/office/powerpoint/2010/main" val="2401911926"/>
       </p:ext>
     </p:extLst>
   </p:cSld>
@@ -4332,7 +4527,19 @@
           <a:p>
             <a:r>
               <a:rPr lang="en-US" dirty="0"/>
-              <a:t>More opinions to the MBO myths</a:t>
+              <a:t>Management Buyout (</a:t>
+            </a:r>
+            <a:r>
+              <a:rPr lang="en-US" b="1" dirty="0">
+                <a:solidFill>
+                  <a:schemeClr val="accent1"/>
+                </a:solidFill>
+              </a:rPr>
+              <a:t>MBO</a:t>
+            </a:r>
+            <a:r>
+              <a:rPr lang="en-US" dirty="0"/>
+              <a:t>)</a:t>
             </a:r>
           </a:p>
         </p:txBody>
@@ -4360,43 +4567,71 @@
           </a:xfrm>
         </p:spPr>
         <p:txBody>
-          <a:bodyPr/>
-          <a:lstStyle/>
-          <a:p>
-            <a:r>
-              <a:rPr lang="en-US" dirty="0"/>
-              <a:t>The management does not need to contribute millions $ in MBO – the banks and PE firms will provide the bulk of the finance.</a:t>
-            </a:r>
-          </a:p>
-          <a:p>
-            <a:pPr lvl="1"/>
-            <a:r>
-              <a:rPr lang="en-US" dirty="0"/>
-              <a:t>This is usually structured and organized by the </a:t>
-            </a:r>
+          <a:bodyPr>
+            <a:normAutofit lnSpcReduction="10000"/>
+          </a:bodyPr>
+          <a:lstStyle/>
+          <a:p>
+            <a:r>
+              <a:rPr lang="en-US" dirty="0"/>
+              <a:t>A deal in which a business is bought from its owners by its management team, financed by a PE firm.</a:t>
+            </a:r>
+          </a:p>
+          <a:p>
+            <a:pPr lvl="1"/>
             <a:r>
               <a:rPr lang="en-US" dirty="0">
                 <a:solidFill>
                   <a:schemeClr val="accent1"/>
                 </a:solidFill>
               </a:rPr>
-              <a:t>corporate advisors</a:t>
-            </a:r>
-            <a:r>
-              <a:rPr lang="en-US" dirty="0"/>
-              <a:t>, normally an IB</a:t>
-            </a:r>
-          </a:p>
-          <a:p>
-            <a:r>
-              <a:rPr lang="en-US" dirty="0"/>
-              <a:t>MBO can have an advantage over Trade Buyers, especially when the seller is the founder of the business, who trends to prefer the existing management</a:t>
-            </a:r>
-          </a:p>
-          <a:p>
-            <a:r>
-              <a:rPr lang="en-US" dirty="0"/>
-              <a:t>Investor prefer </a:t>
+              <a:t>Common opportunities</a:t>
+            </a:r>
+          </a:p>
+          <a:p>
+            <a:pPr lvl="2"/>
+            <a:r>
+              <a:rPr lang="en-US" dirty="0"/>
+              <a:t>Corporate restructuring – to buy the non-core business spun out</a:t>
+            </a:r>
+          </a:p>
+          <a:p>
+            <a:pPr lvl="2"/>
+            <a:r>
+              <a:rPr lang="en-US" dirty="0"/>
+              <a:t>Sellout by the controlling shareholders / founders</a:t>
+            </a:r>
+          </a:p>
+          <a:p>
+            <a:pPr lvl="2"/>
+            <a:r>
+              <a:rPr lang="en-US" dirty="0"/>
+              <a:t>Sale of the viable part of business, from a collapsed business, by a Receiver / Administrator</a:t>
+            </a:r>
+          </a:p>
+          <a:p>
+            <a:pPr lvl="2"/>
+            <a:endParaRPr lang="en-US" dirty="0"/>
+          </a:p>
+          <a:p>
+            <a:pPr lvl="1"/>
+            <a:r>
+              <a:rPr lang="en-US" dirty="0"/>
+              <a:t>Parties in the deal – each has own agenda / priorities / interests / expectations</a:t>
+            </a:r>
+          </a:p>
+          <a:p>
+            <a:pPr lvl="2"/>
+            <a:r>
+              <a:rPr lang="en-US" dirty="0"/>
+              <a:t>The seller</a:t>
+            </a:r>
+          </a:p>
+          <a:p>
+            <a:pPr lvl="2"/>
+            <a:r>
+              <a:rPr lang="en-US" dirty="0"/>
+              <a:t>The </a:t>
             </a:r>
             <a:r>
               <a:rPr lang="en-US" dirty="0">
@@ -4404,88 +4639,84 @@
                   <a:schemeClr val="accent1"/>
                 </a:solidFill>
               </a:rPr>
-              <a:t>balanced team </a:t>
-            </a:r>
-            <a:r>
-              <a:rPr lang="en-US" dirty="0"/>
-              <a:t>– experience, </a:t>
-            </a:r>
+              <a:t>Special Purpose Vehicle (SPV) company </a:t>
+            </a:r>
+            <a:r>
+              <a:rPr lang="en-US" dirty="0"/>
+              <a:t>formed to make this acquisition</a:t>
+            </a:r>
+          </a:p>
+          <a:p>
+            <a:pPr lvl="2"/>
+            <a:r>
+              <a:rPr lang="en-US" dirty="0"/>
+              <a:t>PE and 3</a:t>
+            </a:r>
+            <a:r>
+              <a:rPr lang="en-US" baseline="30000" dirty="0"/>
+              <a:t>rd</a:t>
+            </a:r>
+            <a:r>
+              <a:rPr lang="en-US" dirty="0"/>
+              <a:t> party funders (usually banks)</a:t>
+            </a:r>
+          </a:p>
+          <a:p>
+            <a:pPr lvl="2"/>
+            <a:r>
+              <a:rPr lang="en-US" dirty="0"/>
+              <a:t>Buyout Team – formed by different people within the party</a:t>
+            </a:r>
+          </a:p>
+          <a:p>
+            <a:pPr lvl="2"/>
             <a:r>
               <a:rPr lang="en-US" dirty="0">
                 <a:solidFill>
                   <a:schemeClr val="accent1"/>
                 </a:solidFill>
               </a:rPr>
-              <a:t>track record</a:t>
-            </a:r>
-            <a:r>
-              <a:rPr lang="en-US" dirty="0"/>
-              <a:t>, leadership – not necessarily extraordinary</a:t>
-            </a:r>
-          </a:p>
-          <a:p>
-            <a:r>
-              <a:rPr lang="en-US" dirty="0"/>
-              <a:t>MBOs have been seen </a:t>
-            </a:r>
-            <a:r>
-              <a:rPr lang="en-US" dirty="0">
-                <a:solidFill>
-                  <a:schemeClr val="accent1"/>
-                </a:solidFill>
-              </a:rPr>
-              <a:t>succeed in almost all sectors</a:t>
-            </a:r>
-            <a:r>
-              <a:rPr lang="en-US" dirty="0"/>
-              <a:t>.</a:t>
-            </a:r>
-          </a:p>
-          <a:p>
-            <a:r>
-              <a:rPr lang="en-US" dirty="0"/>
-              <a:t>Average MBO size in UK is about 25m pounds - </a:t>
-            </a:r>
-            <a:r>
-              <a:rPr lang="en-US" dirty="0">
-                <a:solidFill>
-                  <a:schemeClr val="accent1"/>
-                </a:solidFill>
-              </a:rPr>
-              <a:t>medium sized</a:t>
-            </a:r>
-            <a:r>
-              <a:rPr lang="en-US" dirty="0"/>
-              <a:t> companies, divisions / subsidiaries of large companies</a:t>
-            </a:r>
-          </a:p>
-          <a:p>
-            <a:r>
-              <a:rPr lang="en-US" dirty="0"/>
-              <a:t>MBOs are </a:t>
-            </a:r>
-            <a:r>
-              <a:rPr lang="en-US" dirty="0">
-                <a:solidFill>
-                  <a:schemeClr val="accent1"/>
-                </a:solidFill>
-              </a:rPr>
-              <a:t>not necessarily more risky </a:t>
-            </a:r>
-            <a:r>
-              <a:rPr lang="en-US" dirty="0"/>
-              <a:t>than other deals.</a:t>
-            </a:r>
-          </a:p>
-          <a:p>
-            <a:endParaRPr lang="en-US" dirty="0"/>
+              <a:t>Due Diligence Advisers </a:t>
+            </a:r>
+            <a:r>
+              <a:rPr lang="en-US" dirty="0"/>
+              <a:t>(lawyers &amp; accountants) – advise the buyers to check the quality and the correctness of the business they are buying</a:t>
+            </a:r>
+          </a:p>
+          <a:p>
+            <a:pPr lvl="2"/>
+            <a:r>
+              <a:rPr lang="en-US" dirty="0"/>
+              <a:t>Financial Advisers</a:t>
+            </a:r>
+          </a:p>
+          <a:p>
+            <a:pPr lvl="2"/>
+            <a:r>
+              <a:rPr lang="en-US" dirty="0"/>
+              <a:t>Tax Advisers</a:t>
+            </a:r>
+          </a:p>
+          <a:p>
+            <a:pPr lvl="2"/>
+            <a:r>
+              <a:rPr lang="en-US" dirty="0"/>
+              <a:t>Legal</a:t>
+            </a:r>
+          </a:p>
+          <a:p>
+            <a:pPr lvl="2"/>
+            <a:r>
+              <a:rPr lang="en-US" dirty="0"/>
+              <a:t>…</a:t>
+            </a:r>
           </a:p>
         </p:txBody>
       </p:sp>
     </p:spTree>
     <p:extLst>
       <p:ext uri="{BB962C8B-B14F-4D97-AF65-F5344CB8AC3E}">
-        <p14:creationId xmlns:p14="http://schemas.microsoft.com/office/powerpoint/2010/main" val="1762589031"/>
+        <p14:creationId xmlns:p14="http://schemas.microsoft.com/office/powerpoint/2010/main" val="1826643229"/>
       </p:ext>
     </p:extLst>
   </p:cSld>
@@ -4540,7 +4771,19 @@
           <a:p>
             <a:r>
               <a:rPr lang="en-US" dirty="0"/>
-              <a:t>Investors</a:t>
+              <a:t>Management Buyout (</a:t>
+            </a:r>
+            <a:r>
+              <a:rPr lang="en-US" b="1" dirty="0">
+                <a:solidFill>
+                  <a:schemeClr val="accent1"/>
+                </a:solidFill>
+              </a:rPr>
+              <a:t>MBO</a:t>
+            </a:r>
+            <a:r>
+              <a:rPr lang="en-US" dirty="0"/>
+              <a:t>)</a:t>
             </a:r>
           </a:p>
         </p:txBody>
@@ -4569,66 +4812,117 @@
         </p:spPr>
         <p:txBody>
           <a:bodyPr>
-            <a:normAutofit lnSpcReduction="10000"/>
+            <a:normAutofit/>
           </a:bodyPr>
           <a:lstStyle/>
           <a:p>
             <a:r>
-              <a:rPr lang="en-US" b="1" dirty="0">
+              <a:rPr lang="en-US" dirty="0"/>
+              <a:t>Funding</a:t>
+            </a:r>
+          </a:p>
+          <a:p>
+            <a:pPr lvl="1"/>
+            <a:r>
+              <a:rPr lang="en-US" dirty="0"/>
+              <a:t>Debt / Equity / Working Capital Facilities (loans and overdrafts)</a:t>
+            </a:r>
+          </a:p>
+          <a:p>
+            <a:pPr lvl="1"/>
+            <a:r>
+              <a:rPr lang="en-US" dirty="0"/>
+              <a:t>Banks normally provide </a:t>
+            </a:r>
+            <a:r>
+              <a:rPr lang="en-US" dirty="0">
                 <a:solidFill>
                   <a:schemeClr val="accent1"/>
                 </a:solidFill>
               </a:rPr>
-              <a:t>Incubator</a:t>
-            </a:r>
-            <a:r>
-              <a:rPr lang="en-US" dirty="0"/>
-              <a:t>: an organization provides start-up companies with space and resources</a:t>
-            </a:r>
-          </a:p>
-          <a:p>
-            <a:pPr lvl="1"/>
-            <a:r>
-              <a:rPr lang="en-US" dirty="0"/>
-              <a:t>limited amount of cash (like 20 to 30 K)</a:t>
-            </a:r>
-          </a:p>
-          <a:p>
-            <a:pPr lvl="1"/>
-            <a:r>
-              <a:rPr lang="en-US" dirty="0"/>
-              <a:t>Mentorship, network introductions, help with finding strategic partners and investors</a:t>
-            </a:r>
-          </a:p>
-          <a:p>
-            <a:r>
-              <a:rPr lang="en-US" b="1" dirty="0">
+              <a:t>debt funding</a:t>
+            </a:r>
+          </a:p>
+          <a:p>
+            <a:pPr lvl="2"/>
+            <a:r>
+              <a:rPr lang="en-US" dirty="0"/>
+              <a:t>Amount varies from each deal – can be below 10% or above 70%</a:t>
+            </a:r>
+          </a:p>
+          <a:p>
+            <a:pPr lvl="2"/>
+            <a:r>
+              <a:rPr lang="en-US" dirty="0"/>
+              <a:t>Banks usually seek to get security over assets – low risk</a:t>
+            </a:r>
+          </a:p>
+          <a:p>
+            <a:pPr lvl="2"/>
+            <a:r>
+              <a:rPr lang="en-US" dirty="0"/>
+              <a:t>Earn interest payments and principle repayments</a:t>
+            </a:r>
+          </a:p>
+          <a:p>
+            <a:pPr lvl="1"/>
+            <a:r>
+              <a:rPr lang="en-US" dirty="0">
                 <a:solidFill>
                   <a:schemeClr val="accent1"/>
                 </a:solidFill>
               </a:rPr>
-              <a:t>Bootstrap</a:t>
-            </a:r>
-            <a:r>
-              <a:rPr lang="en-US" dirty="0"/>
-              <a:t>: funding your startup from your own resources</a:t>
-            </a:r>
-          </a:p>
-          <a:p>
-            <a:r>
-              <a:rPr lang="en-US" b="1" dirty="0">
+              <a:t>Private Equity (PE)</a:t>
+            </a:r>
+          </a:p>
+          <a:p>
+            <a:pPr lvl="2"/>
+            <a:r>
+              <a:rPr lang="en-US" dirty="0"/>
+              <a:t>Maybe 40-50%</a:t>
+            </a:r>
+          </a:p>
+          <a:p>
+            <a:pPr lvl="2"/>
+            <a:r>
+              <a:rPr lang="en-US" dirty="0"/>
+              <a:t>Alongside management, control relationship through Shareholder Agreement, which gives them rights and </a:t>
+            </a:r>
+            <a:r>
+              <a:rPr lang="en-US" dirty="0" err="1"/>
+              <a:t>vetos</a:t>
+            </a:r>
+            <a:endParaRPr lang="en-US" dirty="0"/>
+          </a:p>
+          <a:p>
+            <a:pPr lvl="1"/>
+            <a:r>
+              <a:rPr lang="en-US" dirty="0">
                 <a:solidFill>
                   <a:schemeClr val="accent1"/>
                 </a:solidFill>
               </a:rPr>
-              <a:t>Angel Investor</a:t>
-            </a:r>
-          </a:p>
-          <a:p>
-            <a:pPr lvl="1"/>
-            <a:r>
-              <a:rPr lang="en-US" dirty="0"/>
-              <a:t>Typically </a:t>
+              <a:t>Management Equity</a:t>
+            </a:r>
+          </a:p>
+          <a:p>
+            <a:pPr lvl="2"/>
+            <a:r>
+              <a:rPr lang="en-US" dirty="0"/>
+              <a:t>Usually the smallest amount, like 5-10%, but structured with highest potential capital gain</a:t>
+            </a:r>
+          </a:p>
+          <a:p>
+            <a:pPr lvl="2"/>
+            <a:r>
+              <a:rPr lang="en-US" dirty="0"/>
+              <a:t>For the management to have a skin in the game</a:t>
+            </a:r>
+          </a:p>
+          <a:p>
+            <a:r>
+              <a:rPr lang="en-US" dirty="0"/>
+              <a:t>MBO provides the management with the opportunity to make a substantial capital gain for a relatively modest investment - </a:t>
             </a:r>
             <a:r>
               <a:rPr lang="en-US" dirty="0">
@@ -4636,86 +4930,7 @@
                   <a:schemeClr val="accent1"/>
                 </a:solidFill>
               </a:rPr>
-              <a:t>high net worth individuals (HNI)</a:t>
-            </a:r>
-            <a:r>
-              <a:rPr lang="en-US" dirty="0"/>
-              <a:t>; not professional VC / PE</a:t>
-            </a:r>
-          </a:p>
-          <a:p>
-            <a:pPr lvl="1"/>
-            <a:r>
-              <a:rPr lang="en-US" dirty="0"/>
-              <a:t>Use their own money, invest maybe $250 K to $500 K</a:t>
-            </a:r>
-          </a:p>
-          <a:p>
-            <a:pPr lvl="1"/>
-            <a:r>
-              <a:rPr lang="en-US" dirty="0"/>
-              <a:t>Seek for large portion of equity (like 33%), often want to go on the board</a:t>
-            </a:r>
-          </a:p>
-          <a:p>
-            <a:r>
-              <a:rPr lang="en-US" b="1" dirty="0">
-                <a:solidFill>
-                  <a:schemeClr val="accent1"/>
-                </a:solidFill>
-              </a:rPr>
-              <a:t>Venture Capital</a:t>
-            </a:r>
-          </a:p>
-          <a:p>
-            <a:pPr lvl="1"/>
-            <a:r>
-              <a:rPr lang="en-US" dirty="0"/>
-              <a:t>The </a:t>
-            </a:r>
-            <a:r>
-              <a:rPr lang="en-US" dirty="0">
-                <a:solidFill>
-                  <a:schemeClr val="accent1"/>
-                </a:solidFill>
-              </a:rPr>
-              <a:t>first tranche </a:t>
-            </a:r>
-            <a:r>
-              <a:rPr lang="en-US" dirty="0"/>
-              <a:t>of professional investors</a:t>
-            </a:r>
-          </a:p>
-          <a:p>
-            <a:pPr lvl="1"/>
-            <a:r>
-              <a:rPr lang="en-US" dirty="0"/>
-              <a:t>Typically take a minority investment in high-growth early-stage companies</a:t>
-            </a:r>
-          </a:p>
-          <a:p>
-            <a:pPr lvl="2"/>
-            <a:r>
-              <a:rPr lang="en-US" dirty="0"/>
-              <a:t>Usually companies post revenue, but pre-profit/positive cash flow</a:t>
-            </a:r>
-          </a:p>
-          <a:p>
-            <a:pPr lvl="2"/>
-            <a:r>
-              <a:rPr lang="en-US" dirty="0">
-                <a:solidFill>
-                  <a:schemeClr val="accent1"/>
-                </a:solidFill>
-              </a:rPr>
-              <a:t>With negative cash flow – no access to debt – need VC investment</a:t>
-            </a:r>
-          </a:p>
-          <a:p>
-            <a:pPr lvl="1"/>
-            <a:r>
-              <a:rPr lang="en-US" dirty="0"/>
-              <a:t>High risk, high return</a:t>
+              <a:t>driven by the management</a:t>
             </a:r>
           </a:p>
         </p:txBody>
@@ -4723,7 +4938,7 @@
     </p:spTree>
     <p:extLst>
       <p:ext uri="{BB962C8B-B14F-4D97-AF65-F5344CB8AC3E}">
-        <p14:creationId xmlns:p14="http://schemas.microsoft.com/office/powerpoint/2010/main" val="1956361438"/>
+        <p14:creationId xmlns:p14="http://schemas.microsoft.com/office/powerpoint/2010/main" val="1069284553"/>
       </p:ext>
     </p:extLst>
   </p:cSld>
@@ -4778,7 +4993,19 @@
           <a:p>
             <a:r>
               <a:rPr lang="en-US" dirty="0"/>
-              <a:t>Investor</a:t>
+              <a:t>Leveraged Buyout (</a:t>
+            </a:r>
+            <a:r>
+              <a:rPr lang="en-US" b="1" dirty="0">
+                <a:solidFill>
+                  <a:schemeClr val="accent1"/>
+                </a:solidFill>
+              </a:rPr>
+              <a:t>LBO</a:t>
+            </a:r>
+            <a:r>
+              <a:rPr lang="en-US" dirty="0"/>
+              <a:t>)</a:t>
             </a:r>
           </a:p>
         </p:txBody>
@@ -4810,96 +5037,43 @@
           <a:lstStyle/>
           <a:p>
             <a:r>
-              <a:rPr lang="en-US" b="1" dirty="0">
+              <a:rPr lang="en-US" dirty="0"/>
+              <a:t>The core components of LBO are the same as MBO</a:t>
+            </a:r>
+          </a:p>
+          <a:p>
+            <a:endParaRPr lang="en-US" dirty="0"/>
+          </a:p>
+          <a:p>
+            <a:r>
+              <a:rPr lang="en-US" dirty="0"/>
+              <a:t>The core difference:</a:t>
+            </a:r>
+          </a:p>
+          <a:p>
+            <a:pPr lvl="1"/>
+            <a:r>
+              <a:rPr lang="en-US" dirty="0"/>
+              <a:t>While an MBO is driven by the management team,</a:t>
+            </a:r>
+            <a:br>
+              <a:rPr lang="en-US" dirty="0"/>
+            </a:br>
+            <a:r>
+              <a:rPr lang="en-US" dirty="0"/>
+              <a:t>An </a:t>
+            </a:r>
+            <a:r>
+              <a:rPr lang="en-US" dirty="0">
                 <a:solidFill>
                   <a:schemeClr val="accent1"/>
                 </a:solidFill>
               </a:rPr>
-              <a:t>Growth Equity</a:t>
-            </a:r>
-          </a:p>
-          <a:p>
-            <a:pPr lvl="1"/>
-            <a:r>
-              <a:rPr lang="en-US" dirty="0"/>
-              <a:t>A PE firm makes minority/majority investment in an early-stage company</a:t>
-            </a:r>
-          </a:p>
-          <a:p>
-            <a:pPr lvl="1"/>
-            <a:r>
-              <a:rPr lang="en-US" dirty="0"/>
-              <a:t>Aiming to transform less mature companies into market leaders</a:t>
-            </a:r>
-          </a:p>
-          <a:p>
-            <a:pPr lvl="1"/>
-            <a:r>
-              <a:rPr lang="en-US" dirty="0"/>
-              <a:t>Usually target companies with proven product to be scaled</a:t>
-            </a:r>
-          </a:p>
-          <a:p>
-            <a:r>
-              <a:rPr lang="en-US" b="1" dirty="0">
-                <a:solidFill>
-                  <a:schemeClr val="accent1"/>
-                </a:solidFill>
-              </a:rPr>
-              <a:t>Mezzanine Finance </a:t>
-            </a:r>
-            <a:r>
-              <a:rPr lang="en-US" dirty="0"/>
-              <a:t>– provided by specialist PE funds</a:t>
-            </a:r>
-          </a:p>
-          <a:p>
-            <a:pPr lvl="1"/>
-            <a:r>
-              <a:rPr lang="en-US" dirty="0"/>
-              <a:t>Focus on junior/subordinated debt – ranked below senior debt, above PE funds</a:t>
-            </a:r>
-          </a:p>
-          <a:p>
-            <a:pPr lvl="1"/>
-            <a:r>
-              <a:rPr lang="en-US" dirty="0"/>
-              <a:t>Yield 15% +, often with equity kicker warrants (convert to equity/indeed options)</a:t>
-            </a:r>
-          </a:p>
-          <a:p>
-            <a:pPr lvl="1"/>
-            <a:r>
-              <a:rPr lang="en-US" dirty="0"/>
-              <a:t>Used to fill funding gaps, when senior debt is not being offered to the extent required by the lead PE investor</a:t>
-            </a:r>
-          </a:p>
-          <a:p>
-            <a:r>
-              <a:rPr lang="en-US" b="1" dirty="0">
-                <a:solidFill>
-                  <a:schemeClr val="accent1"/>
-                </a:solidFill>
-              </a:rPr>
-              <a:t>PE firms </a:t>
-            </a:r>
-            <a:r>
-              <a:rPr lang="en-US" dirty="0"/>
-              <a:t>– range of firms focusing on various investment strategies</a:t>
-            </a:r>
-          </a:p>
-          <a:p>
-            <a:pPr lvl="1"/>
-            <a:r>
-              <a:rPr lang="en-US" dirty="0"/>
-              <a:t>Investment size can be from millions to billions</a:t>
-            </a:r>
-          </a:p>
-          <a:p>
-            <a:pPr lvl="1"/>
-            <a:r>
-              <a:rPr lang="en-US" dirty="0"/>
-              <a:t>Core center of the buyout market</a:t>
+              <a:t>LBO is driven by the PE firms </a:t>
+            </a:r>
+            <a:r>
+              <a:rPr lang="en-US" dirty="0"/>
+              <a:t>and their financial goals.</a:t>
             </a:r>
           </a:p>
           <a:p>
@@ -4907,8 +5081,31 @@
             <a:endParaRPr lang="en-US" dirty="0"/>
           </a:p>
           <a:p>
-            <a:pPr lvl="1"/>
-            <a:endParaRPr lang="en-US" dirty="0"/>
+            <a:r>
+              <a:rPr lang="en-US" dirty="0"/>
+              <a:t>The basic idea</a:t>
+            </a:r>
+          </a:p>
+          <a:p>
+            <a:pPr lvl="1"/>
+            <a:r>
+              <a:rPr lang="en-US" dirty="0"/>
+              <a:t>Use debt to leverage (multiply) the power of your cash (your own equity)</a:t>
+            </a:r>
+          </a:p>
+          <a:p>
+            <a:pPr lvl="1"/>
+            <a:r>
+              <a:rPr lang="en-US" dirty="0"/>
+              <a:t>When you sell, you have used the cash from the business to pay down the debt</a:t>
+            </a:r>
+          </a:p>
+          <a:p>
+            <a:pPr lvl="1"/>
+            <a:r>
+              <a:rPr lang="en-US" dirty="0"/>
+              <a:t>This can greatly enhance the value of your original equity investment</a:t>
+            </a:r>
           </a:p>
           <a:p>
             <a:pPr lvl="1"/>
@@ -4919,7 +5116,7 @@
     </p:spTree>
     <p:extLst>
       <p:ext uri="{BB962C8B-B14F-4D97-AF65-F5344CB8AC3E}">
-        <p14:creationId xmlns:p14="http://schemas.microsoft.com/office/powerpoint/2010/main" val="1148610247"/>
+        <p14:creationId xmlns:p14="http://schemas.microsoft.com/office/powerpoint/2010/main" val="2774903984"/>
       </p:ext>
     </p:extLst>
   </p:cSld>
@@ -4974,7 +5171,7 @@
           <a:p>
             <a:r>
               <a:rPr lang="en-US" dirty="0"/>
-              <a:t>Investors</a:t>
+              <a:t>More opinions to the MBO myths</a:t>
             </a:r>
           </a:p>
         </p:txBody>
@@ -5002,128 +5199,183 @@
           </a:xfrm>
         </p:spPr>
         <p:txBody>
-          <a:bodyPr>
-            <a:normAutofit fontScale="92500" lnSpcReduction="10000"/>
-          </a:bodyPr>
-          <a:lstStyle/>
-          <a:p>
-            <a:r>
-              <a:rPr lang="en-US" b="1" dirty="0">
+          <a:bodyPr/>
+          <a:lstStyle/>
+          <a:p>
+            <a:r>
+              <a:rPr lang="en-US" dirty="0"/>
+              <a:t>The management does not need to contribute millions $ in MBO – the banks and PE firms will provide the bulk of the finance.</a:t>
+            </a:r>
+          </a:p>
+          <a:p>
+            <a:pPr lvl="1"/>
+            <a:r>
+              <a:rPr lang="en-US" dirty="0"/>
+              <a:t>This is usually structured and organized by the </a:t>
+            </a:r>
+            <a:r>
+              <a:rPr lang="en-US" dirty="0">
                 <a:solidFill>
                   <a:schemeClr val="accent1"/>
                 </a:solidFill>
               </a:rPr>
-              <a:t>Family Office </a:t>
-            </a:r>
-            <a:r>
-              <a:rPr lang="en-US" dirty="0"/>
-              <a:t>- Investment firm established by a wealthy family</a:t>
-            </a:r>
-          </a:p>
-          <a:p>
-            <a:pPr lvl="1"/>
-            <a:r>
-              <a:rPr lang="en-US" dirty="0"/>
-              <a:t>Manage assets and investments of the family</a:t>
-            </a:r>
-          </a:p>
-          <a:p>
-            <a:pPr lvl="1"/>
-            <a:r>
-              <a:rPr lang="en-US" dirty="0"/>
-              <a:t>Long time horizon - not very focus on realization, but to build up asset portfolios</a:t>
-            </a:r>
-          </a:p>
-          <a:p>
-            <a:r>
-              <a:rPr lang="en-US" b="1" dirty="0">
+              <a:t>corporate advisors</a:t>
+            </a:r>
+            <a:r>
+              <a:rPr lang="en-US" dirty="0"/>
+              <a:t>, normally an IB</a:t>
+            </a:r>
+          </a:p>
+          <a:p>
+            <a:r>
+              <a:rPr lang="en-US" dirty="0"/>
+              <a:t>MBO can have an advantage over Trade Buyers, especially when the seller is the founder of the business, who trends to prefer the existing management</a:t>
+            </a:r>
+          </a:p>
+          <a:p>
+            <a:r>
+              <a:rPr lang="en-US" dirty="0"/>
+              <a:t>Investor prefer </a:t>
+            </a:r>
+            <a:r>
+              <a:rPr lang="en-US" dirty="0">
                 <a:solidFill>
                   <a:schemeClr val="accent1"/>
                 </a:solidFill>
               </a:rPr>
-              <a:t>Strategic Investor</a:t>
-            </a:r>
-          </a:p>
-          <a:p>
-            <a:pPr lvl="1"/>
-            <a:r>
-              <a:rPr lang="en-US" dirty="0"/>
-              <a:t>An established company invests in early-stage companies to gain access to new technology / business model</a:t>
-            </a:r>
-          </a:p>
-          <a:p>
-            <a:pPr lvl="1"/>
-            <a:r>
-              <a:rPr lang="en-US" dirty="0"/>
-              <a:t>Often come in in-place-of a VC / a joint venture structure / option or intention to acquire the company</a:t>
-            </a:r>
-          </a:p>
-          <a:p>
-            <a:pPr lvl="1"/>
-            <a:r>
-              <a:rPr lang="en-US" dirty="0"/>
-              <a:t>Give the founders the opportunity to grow the business before they bring it in-house</a:t>
-            </a:r>
-          </a:p>
-          <a:p>
-            <a:r>
-              <a:rPr lang="en-US" b="1" dirty="0">
+              <a:t>balanced team </a:t>
+            </a:r>
+            <a:r>
+              <a:rPr lang="en-US" dirty="0"/>
+              <a:t>– experience, </a:t>
+            </a:r>
+            <a:r>
+              <a:rPr lang="en-US" dirty="0">
                 <a:solidFill>
                   <a:schemeClr val="accent1"/>
                 </a:solidFill>
               </a:rPr>
-              <a:t>Corporate Venture Capital (CVC)</a:t>
-            </a:r>
-          </a:p>
-          <a:p>
-            <a:pPr lvl="1"/>
-            <a:r>
-              <a:rPr lang="en-US" dirty="0"/>
-              <a:t>Established companies investing, either opportunistically or as part of a formal program, targeted at early-stage business often with innovative technology</a:t>
-            </a:r>
-          </a:p>
-          <a:p>
-            <a:pPr lvl="1"/>
-            <a:r>
-              <a:rPr lang="en-US" dirty="0"/>
-              <a:t>Also a way to prevent competitors to take the technology</a:t>
-            </a:r>
-          </a:p>
-          <a:p>
-            <a:r>
-              <a:rPr lang="en-US" b="1" dirty="0">
+              <a:t>track record</a:t>
+            </a:r>
+            <a:r>
+              <a:rPr lang="en-US" dirty="0"/>
+              <a:t>, leadership – not necessarily extraordinary</a:t>
+            </a:r>
+          </a:p>
+          <a:p>
+            <a:r>
+              <a:rPr lang="en-US" dirty="0"/>
+              <a:t>MBOs have been seen </a:t>
+            </a:r>
+            <a:r>
+              <a:rPr lang="en-US" dirty="0">
                 <a:solidFill>
                   <a:schemeClr val="accent1"/>
                 </a:solidFill>
               </a:rPr>
-              <a:t>Crowdfunding</a:t>
-            </a:r>
-            <a:r>
-              <a:rPr lang="en-US" dirty="0"/>
-              <a:t> (</a:t>
-            </a:r>
-            <a:r>
-              <a:rPr lang="en-US" dirty="0" err="1"/>
-              <a:t>kickstarter</a:t>
-            </a:r>
-            <a:r>
-              <a:rPr lang="en-US" dirty="0"/>
-              <a:t>, </a:t>
-            </a:r>
-            <a:r>
-              <a:rPr lang="en-US" dirty="0" err="1"/>
-              <a:t>indiegogo</a:t>
-            </a:r>
-            <a:r>
-              <a:rPr lang="en-US" dirty="0"/>
-              <a:t>)</a:t>
-            </a:r>
-          </a:p>
-          <a:p>
-            <a:pPr lvl="1"/>
-            <a:r>
-              <a:rPr lang="en-US" dirty="0"/>
-              <a:t>An effective way since the last 5-10 years, for startup companies to raise small amounts from large number of non-professional investors, on very informal terms</a:t>
+              <a:t>succeed in almost all sectors</a:t>
+            </a:r>
+            <a:r>
+              <a:rPr lang="en-US" dirty="0"/>
+              <a:t>.</a:t>
+            </a:r>
+          </a:p>
+          <a:p>
+            <a:r>
+              <a:rPr lang="en-US" dirty="0"/>
+              <a:t>Average MBO size in UK is about 25m pounds - </a:t>
+            </a:r>
+            <a:r>
+              <a:rPr lang="en-US" dirty="0">
+                <a:solidFill>
+                  <a:schemeClr val="accent1"/>
+                </a:solidFill>
+              </a:rPr>
+              <a:t>medium sized</a:t>
+            </a:r>
+            <a:r>
+              <a:rPr lang="en-US" dirty="0"/>
+              <a:t> companies, divisions / subsidiaries of large companies</a:t>
+            </a:r>
+          </a:p>
+          <a:p>
+            <a:r>
+              <a:rPr lang="en-US" dirty="0"/>
+              <a:t>MBOs are </a:t>
+            </a:r>
+            <a:r>
+              <a:rPr lang="en-US" dirty="0">
+                <a:solidFill>
+                  <a:schemeClr val="accent1"/>
+                </a:solidFill>
+              </a:rPr>
+              <a:t>not necessarily more risky </a:t>
+            </a:r>
+            <a:r>
+              <a:rPr lang="en-US" dirty="0"/>
+              <a:t>than other deals.</a:t>
+            </a:r>
+          </a:p>
+          <a:p>
+            <a:endParaRPr lang="en-US" dirty="0"/>
+          </a:p>
+        </p:txBody>
+      </p:sp>
+      <p:sp>
+        <p:nvSpPr>
+          <p:cNvPr id="4" name="Rectangle 3">
+            <a:extLst>
+              <a:ext uri="{FF2B5EF4-FFF2-40B4-BE49-F238E27FC236}">
+                <a16:creationId xmlns:a16="http://schemas.microsoft.com/office/drawing/2014/main" id="{D5764D17-A275-D549-8D02-B7A3268C0FD3}"/>
+              </a:ext>
+            </a:extLst>
+          </p:cNvPr>
+          <p:cNvSpPr/>
+          <p:nvPr/>
+        </p:nvSpPr>
+        <p:spPr>
+          <a:xfrm>
+            <a:off x="8472332" y="3622131"/>
+            <a:ext cx="1712422" cy="853439"/>
+          </a:xfrm>
+          <a:prstGeom prst="rect">
+            <a:avLst/>
+          </a:prstGeom>
+          <a:solidFill>
+            <a:schemeClr val="accent4">
+              <a:lumMod val="40000"/>
+              <a:lumOff val="60000"/>
+            </a:schemeClr>
+          </a:solidFill>
+        </p:spPr>
+        <p:style>
+          <a:lnRef idx="2">
+            <a:schemeClr val="accent4">
+              <a:shade val="50000"/>
+            </a:schemeClr>
+          </a:lnRef>
+          <a:fillRef idx="1">
+            <a:schemeClr val="accent4"/>
+          </a:fillRef>
+          <a:effectRef idx="0">
+            <a:schemeClr val="accent4"/>
+          </a:effectRef>
+          <a:fontRef idx="minor">
+            <a:schemeClr val="lt1"/>
+          </a:fontRef>
+        </p:style>
+        <p:txBody>
+          <a:bodyPr rtlCol="0" anchor="ctr"/>
+          <a:lstStyle/>
+          <a:p>
+            <a:pPr algn="ctr"/>
+            <a:r>
+              <a:rPr lang="en-US" sz="1400" dirty="0">
+                <a:solidFill>
+                  <a:schemeClr val="tx1"/>
+                </a:solidFill>
+              </a:rPr>
+              <a:t>How to define balanced team?</a:t>
             </a:r>
           </a:p>
         </p:txBody>
@@ -5131,7 +5383,7 @@
     </p:spTree>
     <p:extLst>
       <p:ext uri="{BB962C8B-B14F-4D97-AF65-F5344CB8AC3E}">
-        <p14:creationId xmlns:p14="http://schemas.microsoft.com/office/powerpoint/2010/main" val="2401911926"/>
+        <p14:creationId xmlns:p14="http://schemas.microsoft.com/office/powerpoint/2010/main" val="1762589031"/>
       </p:ext>
     </p:extLst>
   </p:cSld>
@@ -5876,6 +6128,65 @@
           </a:p>
         </p:txBody>
       </p:sp>
+      <p:sp>
+        <p:nvSpPr>
+          <p:cNvPr id="4" name="Rectangle 3">
+            <a:extLst>
+              <a:ext uri="{FF2B5EF4-FFF2-40B4-BE49-F238E27FC236}">
+                <a16:creationId xmlns:a16="http://schemas.microsoft.com/office/drawing/2014/main" id="{71E618C7-2956-6747-AB4B-94CFFC72975D}"/>
+              </a:ext>
+            </a:extLst>
+          </p:cNvPr>
+          <p:cNvSpPr/>
+          <p:nvPr/>
+        </p:nvSpPr>
+        <p:spPr>
+          <a:xfrm>
+            <a:off x="9935372" y="950976"/>
+            <a:ext cx="1712422" cy="853439"/>
+          </a:xfrm>
+          <a:prstGeom prst="rect">
+            <a:avLst/>
+          </a:prstGeom>
+          <a:solidFill>
+            <a:schemeClr val="accent4">
+              <a:lumMod val="40000"/>
+              <a:lumOff val="60000"/>
+            </a:schemeClr>
+          </a:solidFill>
+        </p:spPr>
+        <p:style>
+          <a:lnRef idx="2">
+            <a:schemeClr val="accent4">
+              <a:shade val="50000"/>
+            </a:schemeClr>
+          </a:lnRef>
+          <a:fillRef idx="1">
+            <a:schemeClr val="accent4"/>
+          </a:fillRef>
+          <a:effectRef idx="0">
+            <a:schemeClr val="accent4"/>
+          </a:effectRef>
+          <a:fontRef idx="minor">
+            <a:schemeClr val="lt1"/>
+          </a:fontRef>
+        </p:style>
+        <p:txBody>
+          <a:bodyPr rtlCol="0" anchor="ctr"/>
+          <a:lstStyle/>
+          <a:p>
+            <a:pPr algn="ctr"/>
+            <a:r>
+              <a:rPr lang="en-US" sz="1400" dirty="0">
+                <a:solidFill>
+                  <a:schemeClr val="tx1"/>
+                </a:solidFill>
+              </a:rPr>
+              <a:t>Secondary Buyout – a previous buyout can bring attention</a:t>
+            </a:r>
+          </a:p>
+        </p:txBody>
+      </p:sp>
     </p:spTree>
     <p:extLst>
       <p:ext uri="{BB962C8B-B14F-4D97-AF65-F5344CB8AC3E}">
@@ -6880,6 +7191,65 @@
           </a:p>
         </p:txBody>
       </p:sp>
+      <p:sp>
+        <p:nvSpPr>
+          <p:cNvPr id="4" name="Rectangle 3">
+            <a:extLst>
+              <a:ext uri="{FF2B5EF4-FFF2-40B4-BE49-F238E27FC236}">
+                <a16:creationId xmlns:a16="http://schemas.microsoft.com/office/drawing/2014/main" id="{EEFB3779-388F-8A4E-9DBF-DCFA19D3703A}"/>
+              </a:ext>
+            </a:extLst>
+          </p:cNvPr>
+          <p:cNvSpPr/>
+          <p:nvPr/>
+        </p:nvSpPr>
+        <p:spPr>
+          <a:xfrm>
+            <a:off x="7990193" y="477705"/>
+            <a:ext cx="1835451" cy="853439"/>
+          </a:xfrm>
+          <a:prstGeom prst="rect">
+            <a:avLst/>
+          </a:prstGeom>
+          <a:solidFill>
+            <a:schemeClr val="accent4">
+              <a:lumMod val="40000"/>
+              <a:lumOff val="60000"/>
+            </a:schemeClr>
+          </a:solidFill>
+        </p:spPr>
+        <p:style>
+          <a:lnRef idx="2">
+            <a:schemeClr val="accent4">
+              <a:shade val="50000"/>
+            </a:schemeClr>
+          </a:lnRef>
+          <a:fillRef idx="1">
+            <a:schemeClr val="accent4"/>
+          </a:fillRef>
+          <a:effectRef idx="0">
+            <a:schemeClr val="accent4"/>
+          </a:effectRef>
+          <a:fontRef idx="minor">
+            <a:schemeClr val="lt1"/>
+          </a:fontRef>
+        </p:style>
+        <p:txBody>
+          <a:bodyPr rtlCol="0" anchor="ctr"/>
+          <a:lstStyle/>
+          <a:p>
+            <a:pPr algn="ctr"/>
+            <a:r>
+              <a:rPr lang="en-US" sz="1400" dirty="0">
+                <a:solidFill>
+                  <a:schemeClr val="tx1"/>
+                </a:solidFill>
+              </a:rPr>
+              <a:t>Users of PE firms data</a:t>
+            </a:r>
+          </a:p>
+        </p:txBody>
+      </p:sp>
     </p:spTree>
     <p:extLst>
       <p:ext uri="{BB962C8B-B14F-4D97-AF65-F5344CB8AC3E}">
@@ -7075,6 +7445,198 @@
     </p:spTree>
     <p:extLst>
       <p:ext uri="{BB962C8B-B14F-4D97-AF65-F5344CB8AC3E}">
+        <p14:creationId xmlns:p14="http://schemas.microsoft.com/office/powerpoint/2010/main" val="3637582473"/>
+      </p:ext>
+    </p:extLst>
+  </p:cSld>
+  <p:clrMapOvr>
+    <a:masterClrMapping/>
+  </p:clrMapOvr>
+</p:sld>
+</file>
+
+<file path=ppt/slides/slide28.xml><?xml version="1.0" encoding="utf-8"?>
+<p:sld xmlns:a="http://schemas.openxmlformats.org/drawingml/2006/main" xmlns:r="http://schemas.openxmlformats.org/officeDocument/2006/relationships" xmlns:p="http://schemas.openxmlformats.org/presentationml/2006/main">
+  <p:cSld>
+    <p:spTree>
+      <p:nvGrpSpPr>
+        <p:cNvPr id="1" name=""/>
+        <p:cNvGrpSpPr/>
+        <p:nvPr/>
+      </p:nvGrpSpPr>
+      <p:grpSpPr>
+        <a:xfrm>
+          <a:off x="0" y="0"/>
+          <a:ext cx="0" cy="0"/>
+          <a:chOff x="0" y="0"/>
+          <a:chExt cx="0" cy="0"/>
+        </a:xfrm>
+      </p:grpSpPr>
+      <p:sp>
+        <p:nvSpPr>
+          <p:cNvPr id="2" name="Title 1">
+            <a:extLst>
+              <a:ext uri="{FF2B5EF4-FFF2-40B4-BE49-F238E27FC236}">
+                <a16:creationId xmlns:a16="http://schemas.microsoft.com/office/drawing/2014/main" id="{541B14D1-F91B-5E42-9317-E38B488AE7BC}"/>
+              </a:ext>
+            </a:extLst>
+          </p:cNvPr>
+          <p:cNvSpPr>
+            <a:spLocks noGrp="1"/>
+          </p:cNvSpPr>
+          <p:nvPr>
+            <p:ph type="title"/>
+          </p:nvPr>
+        </p:nvSpPr>
+        <p:spPr>
+          <a:xfrm>
+            <a:off x="97536" y="97537"/>
+            <a:ext cx="11131296" cy="853439"/>
+          </a:xfrm>
+        </p:spPr>
+        <p:txBody>
+          <a:bodyPr/>
+          <a:lstStyle/>
+          <a:p>
+            <a:r>
+              <a:rPr lang="en-US" dirty="0"/>
+              <a:t>A</a:t>
+            </a:r>
+          </a:p>
+        </p:txBody>
+      </p:sp>
+      <p:sp>
+        <p:nvSpPr>
+          <p:cNvPr id="3" name="Content Placeholder 2">
+            <a:extLst>
+              <a:ext uri="{FF2B5EF4-FFF2-40B4-BE49-F238E27FC236}">
+                <a16:creationId xmlns:a16="http://schemas.microsoft.com/office/drawing/2014/main" id="{BBA4BE2B-AFB8-2D46-8E51-565F1BA1F51C}"/>
+              </a:ext>
+            </a:extLst>
+          </p:cNvPr>
+          <p:cNvSpPr>
+            <a:spLocks noGrp="1"/>
+          </p:cNvSpPr>
+          <p:nvPr>
+            <p:ph idx="1"/>
+          </p:nvPr>
+        </p:nvSpPr>
+        <p:spPr>
+          <a:xfrm>
+            <a:off x="97536" y="950976"/>
+            <a:ext cx="11716512" cy="5809487"/>
+          </a:xfrm>
+        </p:spPr>
+        <p:txBody>
+          <a:bodyPr/>
+          <a:lstStyle/>
+          <a:p>
+            <a:r>
+              <a:rPr lang="en-US" dirty="0"/>
+              <a:t>A</a:t>
+            </a:r>
+          </a:p>
+        </p:txBody>
+      </p:sp>
+    </p:spTree>
+    <p:extLst>
+      <p:ext uri="{BB962C8B-B14F-4D97-AF65-F5344CB8AC3E}">
+        <p14:creationId xmlns:p14="http://schemas.microsoft.com/office/powerpoint/2010/main" val="3329679524"/>
+      </p:ext>
+    </p:extLst>
+  </p:cSld>
+  <p:clrMapOvr>
+    <a:masterClrMapping/>
+  </p:clrMapOvr>
+</p:sld>
+</file>
+
+<file path=ppt/slides/slide29.xml><?xml version="1.0" encoding="utf-8"?>
+<p:sld xmlns:a="http://schemas.openxmlformats.org/drawingml/2006/main" xmlns:r="http://schemas.openxmlformats.org/officeDocument/2006/relationships" xmlns:p="http://schemas.openxmlformats.org/presentationml/2006/main">
+  <p:cSld>
+    <p:spTree>
+      <p:nvGrpSpPr>
+        <p:cNvPr id="1" name=""/>
+        <p:cNvGrpSpPr/>
+        <p:nvPr/>
+      </p:nvGrpSpPr>
+      <p:grpSpPr>
+        <a:xfrm>
+          <a:off x="0" y="0"/>
+          <a:ext cx="0" cy="0"/>
+          <a:chOff x="0" y="0"/>
+          <a:chExt cx="0" cy="0"/>
+        </a:xfrm>
+      </p:grpSpPr>
+      <p:sp>
+        <p:nvSpPr>
+          <p:cNvPr id="2" name="Title 1">
+            <a:extLst>
+              <a:ext uri="{FF2B5EF4-FFF2-40B4-BE49-F238E27FC236}">
+                <a16:creationId xmlns:a16="http://schemas.microsoft.com/office/drawing/2014/main" id="{541B14D1-F91B-5E42-9317-E38B488AE7BC}"/>
+              </a:ext>
+            </a:extLst>
+          </p:cNvPr>
+          <p:cNvSpPr>
+            <a:spLocks noGrp="1"/>
+          </p:cNvSpPr>
+          <p:nvPr>
+            <p:ph type="title"/>
+          </p:nvPr>
+        </p:nvSpPr>
+        <p:spPr>
+          <a:xfrm>
+            <a:off x="97536" y="97537"/>
+            <a:ext cx="11131296" cy="853439"/>
+          </a:xfrm>
+        </p:spPr>
+        <p:txBody>
+          <a:bodyPr/>
+          <a:lstStyle/>
+          <a:p>
+            <a:r>
+              <a:rPr lang="en-US" dirty="0"/>
+              <a:t>A</a:t>
+            </a:r>
+          </a:p>
+        </p:txBody>
+      </p:sp>
+      <p:sp>
+        <p:nvSpPr>
+          <p:cNvPr id="3" name="Content Placeholder 2">
+            <a:extLst>
+              <a:ext uri="{FF2B5EF4-FFF2-40B4-BE49-F238E27FC236}">
+                <a16:creationId xmlns:a16="http://schemas.microsoft.com/office/drawing/2014/main" id="{BBA4BE2B-AFB8-2D46-8E51-565F1BA1F51C}"/>
+              </a:ext>
+            </a:extLst>
+          </p:cNvPr>
+          <p:cNvSpPr>
+            <a:spLocks noGrp="1"/>
+          </p:cNvSpPr>
+          <p:nvPr>
+            <p:ph idx="1"/>
+          </p:nvPr>
+        </p:nvSpPr>
+        <p:spPr>
+          <a:xfrm>
+            <a:off x="97536" y="950976"/>
+            <a:ext cx="11716512" cy="5809487"/>
+          </a:xfrm>
+        </p:spPr>
+        <p:txBody>
+          <a:bodyPr/>
+          <a:lstStyle/>
+          <a:p>
+            <a:r>
+              <a:rPr lang="en-US" dirty="0"/>
+              <a:t>A</a:t>
+            </a:r>
+          </a:p>
+        </p:txBody>
+      </p:sp>
+    </p:spTree>
+    <p:extLst>
+      <p:ext uri="{BB962C8B-B14F-4D97-AF65-F5344CB8AC3E}">
         <p14:creationId xmlns:p14="http://schemas.microsoft.com/office/powerpoint/2010/main" val="1438633395"/>
       </p:ext>
     </p:extLst>
@@ -8151,6 +8713,124 @@
             <a:r>
               <a:rPr lang="en-US" dirty="0"/>
               <a:t>, usually 7% to 10%, much be achieved on-behalf of the LPs, before the GP can take some or all the performance related carried interest.</a:t>
+            </a:r>
+          </a:p>
+        </p:txBody>
+      </p:sp>
+      <p:sp>
+        <p:nvSpPr>
+          <p:cNvPr id="4" name="Rectangle 3">
+            <a:extLst>
+              <a:ext uri="{FF2B5EF4-FFF2-40B4-BE49-F238E27FC236}">
+                <a16:creationId xmlns:a16="http://schemas.microsoft.com/office/drawing/2014/main" id="{08A8E293-7366-414D-89C6-1424B7FCB843}"/>
+              </a:ext>
+            </a:extLst>
+          </p:cNvPr>
+          <p:cNvSpPr/>
+          <p:nvPr/>
+        </p:nvSpPr>
+        <p:spPr>
+          <a:xfrm>
+            <a:off x="8952807" y="665018"/>
+            <a:ext cx="1712422" cy="853439"/>
+          </a:xfrm>
+          <a:prstGeom prst="rect">
+            <a:avLst/>
+          </a:prstGeom>
+          <a:solidFill>
+            <a:schemeClr val="accent4">
+              <a:lumMod val="40000"/>
+              <a:lumOff val="60000"/>
+            </a:schemeClr>
+          </a:solidFill>
+        </p:spPr>
+        <p:style>
+          <a:lnRef idx="2">
+            <a:schemeClr val="accent4">
+              <a:shade val="50000"/>
+            </a:schemeClr>
+          </a:lnRef>
+          <a:fillRef idx="1">
+            <a:schemeClr val="accent4"/>
+          </a:fillRef>
+          <a:effectRef idx="0">
+            <a:schemeClr val="accent4"/>
+          </a:effectRef>
+          <a:fontRef idx="minor">
+            <a:schemeClr val="lt1"/>
+          </a:fontRef>
+        </p:style>
+        <p:txBody>
+          <a:bodyPr rtlCol="0" anchor="ctr"/>
+          <a:lstStyle/>
+          <a:p>
+            <a:pPr algn="ctr"/>
+            <a:r>
+              <a:rPr lang="en-US" sz="1400" dirty="0">
+                <a:solidFill>
+                  <a:schemeClr val="tx1"/>
+                </a:solidFill>
+              </a:rPr>
+              <a:t>Good to know how long has a fund been setup</a:t>
+            </a:r>
+          </a:p>
+        </p:txBody>
+      </p:sp>
+      <p:sp>
+        <p:nvSpPr>
+          <p:cNvPr id="5" name="Rectangle 4">
+            <a:extLst>
+              <a:ext uri="{FF2B5EF4-FFF2-40B4-BE49-F238E27FC236}">
+                <a16:creationId xmlns:a16="http://schemas.microsoft.com/office/drawing/2014/main" id="{75581E31-F2D2-0C45-B4F7-07D6D3FD4E3A}"/>
+              </a:ext>
+            </a:extLst>
+          </p:cNvPr>
+          <p:cNvSpPr/>
+          <p:nvPr/>
+        </p:nvSpPr>
+        <p:spPr>
+          <a:xfrm>
+            <a:off x="9516410" y="2718539"/>
+            <a:ext cx="1712422" cy="853439"/>
+          </a:xfrm>
+          <a:prstGeom prst="rect">
+            <a:avLst/>
+          </a:prstGeom>
+          <a:solidFill>
+            <a:schemeClr val="accent4">
+              <a:lumMod val="40000"/>
+              <a:lumOff val="60000"/>
+            </a:schemeClr>
+          </a:solidFill>
+        </p:spPr>
+        <p:style>
+          <a:lnRef idx="2">
+            <a:schemeClr val="accent4">
+              <a:shade val="50000"/>
+            </a:schemeClr>
+          </a:lnRef>
+          <a:fillRef idx="1">
+            <a:schemeClr val="accent4"/>
+          </a:fillRef>
+          <a:effectRef idx="0">
+            <a:schemeClr val="accent4"/>
+          </a:effectRef>
+          <a:fontRef idx="minor">
+            <a:schemeClr val="lt1"/>
+          </a:fontRef>
+        </p:style>
+        <p:txBody>
+          <a:bodyPr rtlCol="0" anchor="ctr"/>
+          <a:lstStyle/>
+          <a:p>
+            <a:pPr algn="ctr"/>
+            <a:r>
+              <a:rPr lang="en-US" sz="1400" dirty="0">
+                <a:solidFill>
+                  <a:schemeClr val="tx1"/>
+                </a:solidFill>
+              </a:rPr>
+              <a:t>Any need to identify such criteria?</a:t>
             </a:r>
           </a:p>
         </p:txBody>
@@ -8503,6 +9183,65 @@
             <a:r>
               <a:rPr lang="en-US" dirty="0"/>
               <a:t>Conflict of interest, Fund term extensions, amendments to the LPA</a:t>
+            </a:r>
+          </a:p>
+        </p:txBody>
+      </p:sp>
+      <p:sp>
+        <p:nvSpPr>
+          <p:cNvPr id="4" name="Rectangle 3">
+            <a:extLst>
+              <a:ext uri="{FF2B5EF4-FFF2-40B4-BE49-F238E27FC236}">
+                <a16:creationId xmlns:a16="http://schemas.microsoft.com/office/drawing/2014/main" id="{8201B36A-2032-D74D-AEB9-5666656C6586}"/>
+              </a:ext>
+            </a:extLst>
+          </p:cNvPr>
+          <p:cNvSpPr/>
+          <p:nvPr/>
+        </p:nvSpPr>
+        <p:spPr>
+          <a:xfrm>
+            <a:off x="8686800" y="2394065"/>
+            <a:ext cx="1712422" cy="853439"/>
+          </a:xfrm>
+          <a:prstGeom prst="rect">
+            <a:avLst/>
+          </a:prstGeom>
+          <a:solidFill>
+            <a:schemeClr val="accent4">
+              <a:lumMod val="40000"/>
+              <a:lumOff val="60000"/>
+            </a:schemeClr>
+          </a:solidFill>
+        </p:spPr>
+        <p:style>
+          <a:lnRef idx="2">
+            <a:schemeClr val="accent4">
+              <a:shade val="50000"/>
+            </a:schemeClr>
+          </a:lnRef>
+          <a:fillRef idx="1">
+            <a:schemeClr val="accent4"/>
+          </a:fillRef>
+          <a:effectRef idx="0">
+            <a:schemeClr val="accent4"/>
+          </a:effectRef>
+          <a:fontRef idx="minor">
+            <a:schemeClr val="lt1"/>
+          </a:fontRef>
+        </p:style>
+        <p:txBody>
+          <a:bodyPr rtlCol="0" anchor="ctr"/>
+          <a:lstStyle/>
+          <a:p>
+            <a:pPr algn="ctr"/>
+            <a:r>
+              <a:rPr lang="en-US" sz="1400" dirty="0">
+                <a:solidFill>
+                  <a:schemeClr val="tx1"/>
+                </a:solidFill>
+              </a:rPr>
+              <a:t>Is LPA public?</a:t>
             </a:r>
           </a:p>
         </p:txBody>
